--- a/_book/plot/china-output-by-country-1.pptx
+++ b/_book/plot/china-output-by-country-1.pptx
@@ -3123,7 +3123,7 @@
           <p:spPr>
             <a:xfrm>
               <a:off x="2148681" y="1495425"/>
-              <a:ext cx="6400800" cy="4571999"/>
+              <a:ext cx="6400799" cy="4571999"/>
             </a:xfrm>
             <a:prstGeom prst="rect">
               <a:avLst/>
@@ -6213,8 +6213,8 @@
           </p:nvSpPr>
           <p:spPr>
             <a:xfrm>
-              <a:off x="7669952" y="5207477"/>
-              <a:ext cx="161162" cy="16403"/>
+              <a:off x="7670296" y="5207513"/>
+              <a:ext cx="160474" cy="16333"/>
             </a:xfrm>
             <a:prstGeom prst="rect">
               <a:avLst/>
@@ -6227,7 +6227,7 @@
             <a:p>
               <a:pPr algn="l" marL="0" marR="0" indent="0">
                 <a:lnSpc>
-                  <a:spcPts val="174"/>
+                  <a:spcPts val="173"/>
                 </a:lnSpc>
                 <a:spcBef>
                   <a:spcPts val="0"/>
@@ -6250,8 +6250,8 @@
           </p:nvSpPr>
           <p:spPr>
             <a:xfrm>
-              <a:off x="7173020" y="5856523"/>
-              <a:ext cx="265536" cy="33066"/>
+              <a:off x="7179642" y="5857375"/>
+              <a:ext cx="252292" cy="31417"/>
             </a:xfrm>
             <a:prstGeom prst="rect">
               <a:avLst/>
@@ -6264,7 +6264,7 @@
             <a:p>
               <a:pPr algn="l" marL="0" marR="0" indent="0">
                 <a:lnSpc>
-                  <a:spcPts val="351"/>
+                  <a:spcPts val="334"/>
                 </a:lnSpc>
                 <a:spcBef>
                   <a:spcPts val="0"/>
@@ -6333,8 +6333,8 @@
           </p:nvSpPr>
           <p:spPr>
             <a:xfrm>
-              <a:off x="7444637" y="4987288"/>
-              <a:ext cx="255750" cy="42625"/>
+              <a:off x="7471899" y="4991984"/>
+              <a:ext cx="201225" cy="33537"/>
             </a:xfrm>
             <a:prstGeom prst="rect">
               <a:avLst/>
@@ -6347,7 +6347,7 @@
             <a:p>
               <a:pPr algn="l" marL="0" marR="0" indent="0">
                 <a:lnSpc>
-                  <a:spcPts val="453"/>
+                  <a:spcPts val="356"/>
                 </a:lnSpc>
                 <a:spcBef>
                   <a:spcPts val="0"/>
@@ -6357,15 +6357,6 @@
                 </a:spcAft>
               </a:pPr>
               <a:r>
-                <a:rPr sz="453" b="1">
-                  <a:solidFill>
-                    <a:srgbClr val="000000">
-                      <a:alpha val="100000"/>
-                    </a:srgbClr>
-                  </a:solidFill>
-                  <a:latin typeface="Arial"/>
-                  <a:cs typeface="Arial"/>
-                </a:rPr>
                 <a:t>AUSTRIA</a:t>
               </a:r>
             </a:p>
@@ -6379,8 +6370,8 @@
           </p:nvSpPr>
           <p:spPr>
             <a:xfrm>
-              <a:off x="7853055" y="5350971"/>
-              <a:ext cx="104429" cy="11796"/>
+              <a:off x="7854175" y="5351099"/>
+              <a:ext cx="102189" cy="11543"/>
             </a:xfrm>
             <a:prstGeom prst="rect">
               <a:avLst/>
@@ -6393,7 +6384,7 @@
             <a:p>
               <a:pPr algn="l" marL="0" marR="0" indent="0">
                 <a:lnSpc>
-                  <a:spcPts val="127"/>
+                  <a:spcPts val="124"/>
                 </a:lnSpc>
                 <a:spcBef>
                   <a:spcPts val="0"/>
@@ -6416,8 +6407,8 @@
           </p:nvSpPr>
           <p:spPr>
             <a:xfrm>
-              <a:off x="7828983" y="4712960"/>
-              <a:ext cx="244821" cy="25702"/>
+              <a:off x="7807533" y="4710632"/>
+              <a:ext cx="287722" cy="30205"/>
             </a:xfrm>
             <a:prstGeom prst="rect">
               <a:avLst/>
@@ -6430,7 +6421,7 @@
             <a:p>
               <a:pPr algn="l" marL="0" marR="0" indent="0">
                 <a:lnSpc>
-                  <a:spcPts val="273"/>
+                  <a:spcPts val="321"/>
                 </a:lnSpc>
                 <a:spcBef>
                   <a:spcPts val="0"/>
@@ -6453,8 +6444,8 @@
           </p:nvSpPr>
           <p:spPr>
             <a:xfrm>
-              <a:off x="5776272" y="4810265"/>
-              <a:ext cx="576778" cy="92597"/>
+              <a:off x="5778950" y="4810709"/>
+              <a:ext cx="571422" cy="91737"/>
             </a:xfrm>
             <a:prstGeom prst="rect">
               <a:avLst/>
@@ -6467,7 +6458,7 @@
             <a:p>
               <a:pPr algn="l" marL="0" marR="0" indent="0">
                 <a:lnSpc>
-                  <a:spcPts val="984"/>
+                  <a:spcPts val="975"/>
                 </a:lnSpc>
                 <a:spcBef>
                   <a:spcPts val="0"/>
@@ -6477,7 +6468,7 @@
                 </a:spcAft>
               </a:pPr>
               <a:r>
-                <a:rPr sz="984" b="1">
+                <a:rPr sz="975" b="1">
                   <a:solidFill>
                     <a:srgbClr val="000000">
                       <a:alpha val="100000"/>
@@ -6499,8 +6490,8 @@
           </p:nvSpPr>
           <p:spPr>
             <a:xfrm>
-              <a:off x="6403477" y="5730805"/>
-              <a:ext cx="387222" cy="75608"/>
+              <a:off x="6410026" y="5732083"/>
+              <a:ext cx="374125" cy="73051"/>
             </a:xfrm>
             <a:prstGeom prst="rect">
               <a:avLst/>
@@ -6513,7 +6504,7 @@
             <a:p>
               <a:pPr algn="l" marL="0" marR="0" indent="0">
                 <a:lnSpc>
-                  <a:spcPts val="831"/>
+                  <a:spcPts val="803"/>
                 </a:lnSpc>
                 <a:spcBef>
                   <a:spcPts val="0"/>
@@ -6523,7 +6514,7 @@
                 </a:spcAft>
               </a:pPr>
               <a:r>
-                <a:rPr sz="831" b="1">
+                <a:rPr sz="803" b="1">
                   <a:solidFill>
                     <a:srgbClr val="000000">
                       <a:alpha val="100000"/>
@@ -6545,8 +6536,8 @@
           </p:nvSpPr>
           <p:spPr>
             <a:xfrm>
-              <a:off x="7980659" y="5348674"/>
-              <a:ext cx="114485" cy="16058"/>
+              <a:off x="7976030" y="5348003"/>
+              <a:ext cx="123743" cy="17357"/>
             </a:xfrm>
             <a:prstGeom prst="rect">
               <a:avLst/>
@@ -6559,7 +6550,7 @@
             <a:p>
               <a:pPr algn="l" marL="0" marR="0" indent="0">
                 <a:lnSpc>
-                  <a:spcPts val="170"/>
+                  <a:spcPts val="184"/>
                 </a:lnSpc>
                 <a:spcBef>
                   <a:spcPts val="0"/>
@@ -6582,8 +6573,8 @@
           </p:nvSpPr>
           <p:spPr>
             <a:xfrm>
-              <a:off x="8099909" y="5323573"/>
-              <a:ext cx="141248" cy="22302"/>
+              <a:off x="8101588" y="5324367"/>
+              <a:ext cx="137890" cy="21772"/>
             </a:xfrm>
             <a:prstGeom prst="rect">
               <a:avLst/>
@@ -6596,7 +6587,7 @@
             <a:p>
               <a:pPr algn="l" marL="0" marR="0" indent="0">
                 <a:lnSpc>
-                  <a:spcPts val="241"/>
+                  <a:spcPts val="235"/>
                 </a:lnSpc>
                 <a:spcBef>
                   <a:spcPts val="0"/>
@@ -6619,8 +6610,8 @@
           </p:nvSpPr>
           <p:spPr>
             <a:xfrm>
-              <a:off x="8127985" y="5367297"/>
-              <a:ext cx="85096" cy="22691"/>
+              <a:off x="8128997" y="5367052"/>
+              <a:ext cx="83072" cy="22151"/>
             </a:xfrm>
             <a:prstGeom prst="rect">
               <a:avLst/>
@@ -6633,7 +6624,7 @@
             <a:p>
               <a:pPr algn="l" marL="0" marR="0" indent="0">
                 <a:lnSpc>
-                  <a:spcPts val="241"/>
+                  <a:spcPts val="235"/>
                 </a:lnSpc>
                 <a:spcBef>
                   <a:spcPts val="0"/>
@@ -6656,8 +6647,8 @@
           </p:nvSpPr>
           <p:spPr>
             <a:xfrm>
-              <a:off x="8195569" y="4998775"/>
-              <a:ext cx="163908" cy="20411"/>
+              <a:off x="8184385" y="4997336"/>
+              <a:ext cx="186276" cy="23196"/>
             </a:xfrm>
             <a:prstGeom prst="rect">
               <a:avLst/>
@@ -6670,7 +6661,7 @@
             <a:p>
               <a:pPr algn="l" marL="0" marR="0" indent="0">
                 <a:lnSpc>
-                  <a:spcPts val="217"/>
+                  <a:spcPts val="246"/>
                 </a:lnSpc>
                 <a:spcBef>
                   <a:spcPts val="0"/>
@@ -6739,8 +6730,8 @@
           </p:nvSpPr>
           <p:spPr>
             <a:xfrm>
-              <a:off x="7707502" y="4981221"/>
-              <a:ext cx="220461" cy="54397"/>
+              <a:off x="7714376" y="4982973"/>
+              <a:ext cx="206714" cy="51005"/>
             </a:xfrm>
             <a:prstGeom prst="rect">
               <a:avLst/>
@@ -6753,7 +6744,7 @@
             <a:p>
               <a:pPr algn="l" marL="0" marR="0" indent="0">
                 <a:lnSpc>
-                  <a:spcPts val="578"/>
+                  <a:spcPts val="542"/>
                 </a:lnSpc>
                 <a:spcBef>
                   <a:spcPts val="0"/>
@@ -6763,7 +6754,7 @@
                 </a:spcAft>
               </a:pPr>
               <a:r>
-                <a:rPr sz="578" b="1">
+                <a:rPr sz="542" b="1">
                   <a:solidFill>
                     <a:srgbClr val="000000">
                       <a:alpha val="100000"/>
@@ -6785,8 +6776,8 @@
           </p:nvSpPr>
           <p:spPr>
             <a:xfrm>
-              <a:off x="8240388" y="5348150"/>
-              <a:ext cx="125555" cy="17072"/>
+              <a:off x="8244130" y="5348676"/>
+              <a:ext cx="118070" cy="16054"/>
             </a:xfrm>
             <a:prstGeom prst="rect">
               <a:avLst/>
@@ -6799,7 +6790,7 @@
             <a:p>
               <a:pPr algn="l" marL="0" marR="0" indent="0">
                 <a:lnSpc>
-                  <a:spcPts val="181"/>
+                  <a:spcPts val="170"/>
                 </a:lnSpc>
                 <a:spcBef>
                   <a:spcPts val="0"/>
@@ -6822,8 +6813,8 @@
           </p:nvSpPr>
           <p:spPr>
             <a:xfrm>
-              <a:off x="7837860" y="5427298"/>
-              <a:ext cx="134820" cy="28532"/>
+              <a:off x="7835464" y="5425788"/>
+              <a:ext cx="139612" cy="29546"/>
             </a:xfrm>
             <a:prstGeom prst="rect">
               <a:avLst/>
@@ -6836,7 +6827,7 @@
             <a:p>
               <a:pPr algn="l" marL="0" marR="0" indent="0">
                 <a:lnSpc>
-                  <a:spcPts val="303"/>
+                  <a:spcPts val="314"/>
                 </a:lnSpc>
                 <a:spcBef>
                   <a:spcPts val="0"/>
@@ -6859,8 +6850,8 @@
           </p:nvSpPr>
           <p:spPr>
             <a:xfrm>
-              <a:off x="7858192" y="5482785"/>
-              <a:ext cx="94156" cy="28513"/>
+              <a:off x="7856519" y="5483248"/>
+              <a:ext cx="97502" cy="29527"/>
             </a:xfrm>
             <a:prstGeom prst="rect">
               <a:avLst/>
@@ -6873,7 +6864,7 @@
             <a:p>
               <a:pPr algn="l" marL="0" marR="0" indent="0">
                 <a:lnSpc>
-                  <a:spcPts val="303"/>
+                  <a:spcPts val="314"/>
                 </a:lnSpc>
                 <a:spcBef>
                   <a:spcPts val="0"/>
@@ -6896,8 +6887,8 @@
           </p:nvSpPr>
           <p:spPr>
             <a:xfrm>
-              <a:off x="7969212" y="5458247"/>
-              <a:ext cx="137380" cy="22324"/>
+              <a:off x="7967405" y="5457944"/>
+              <a:ext cx="140994" cy="22912"/>
             </a:xfrm>
             <a:prstGeom prst="rect">
               <a:avLst/>
@@ -6910,7 +6901,7 @@
             <a:p>
               <a:pPr algn="l" marL="0" marR="0" indent="0">
                 <a:lnSpc>
-                  <a:spcPts val="237"/>
+                  <a:spcPts val="243"/>
                 </a:lnSpc>
                 <a:spcBef>
                   <a:spcPts val="0"/>
@@ -6933,8 +6924,8 @@
           </p:nvSpPr>
           <p:spPr>
             <a:xfrm>
-              <a:off x="7494652" y="5197835"/>
-              <a:ext cx="122709" cy="26371"/>
+              <a:off x="7482929" y="5190331"/>
+              <a:ext cx="146155" cy="31410"/>
             </a:xfrm>
             <a:prstGeom prst="rect">
               <a:avLst/>
@@ -6947,7 +6938,7 @@
             <a:p>
               <a:pPr algn="l" marL="0" marR="0" indent="0">
                 <a:lnSpc>
-                  <a:spcPts val="280"/>
+                  <a:spcPts val="334"/>
                 </a:lnSpc>
                 <a:spcBef>
                   <a:spcPts val="0"/>
@@ -6970,8 +6961,8 @@
           </p:nvSpPr>
           <p:spPr>
             <a:xfrm>
-              <a:off x="7464958" y="5249137"/>
-              <a:ext cx="182098" cy="26371"/>
+              <a:off x="7447560" y="5251436"/>
+              <a:ext cx="216892" cy="31410"/>
             </a:xfrm>
             <a:prstGeom prst="rect">
               <a:avLst/>
@@ -6984,7 +6975,7 @@
             <a:p>
               <a:pPr algn="l" marL="0" marR="0" indent="0">
                 <a:lnSpc>
-                  <a:spcPts val="280"/>
+                  <a:spcPts val="334"/>
                 </a:lnSpc>
                 <a:spcBef>
                   <a:spcPts val="0"/>
@@ -7007,8 +6998,8 @@
           </p:nvSpPr>
           <p:spPr>
             <a:xfrm>
-              <a:off x="6414792" y="3844644"/>
-              <a:ext cx="460738" cy="64530"/>
+              <a:off x="6376299" y="3839253"/>
+              <a:ext cx="537725" cy="75313"/>
             </a:xfrm>
             <a:prstGeom prst="rect">
               <a:avLst/>
@@ -7021,7 +7012,7 @@
             <a:p>
               <a:pPr algn="l" marL="0" marR="0" indent="0">
                 <a:lnSpc>
-                  <a:spcPts val="709"/>
+                  <a:spcPts val="828"/>
                 </a:lnSpc>
                 <a:spcBef>
                   <a:spcPts val="0"/>
@@ -7031,7 +7022,7 @@
                 </a:spcAft>
               </a:pPr>
               <a:r>
-                <a:rPr sz="709" b="1">
+                <a:rPr sz="828" b="1">
                   <a:solidFill>
                     <a:srgbClr val="000000">
                       <a:alpha val="100000"/>
@@ -7145,8 +7136,8 @@
           </p:nvSpPr>
           <p:spPr>
             <a:xfrm>
-              <a:off x="8102452" y="5458051"/>
-              <a:ext cx="136163" cy="22691"/>
+              <a:off x="8102772" y="5458106"/>
+              <a:ext cx="135522" cy="22584"/>
             </a:xfrm>
             <a:prstGeom prst="rect">
               <a:avLst/>
@@ -7159,7 +7150,7 @@
             <a:p>
               <a:pPr algn="l" marL="0" marR="0" indent="0">
                 <a:lnSpc>
-                  <a:spcPts val="241"/>
+                  <a:spcPts val="240"/>
                 </a:lnSpc>
                 <a:spcBef>
                   <a:spcPts val="0"/>
@@ -7182,8 +7173,8 @@
           </p:nvSpPr>
           <p:spPr>
             <a:xfrm>
-              <a:off x="7462411" y="5433472"/>
-              <a:ext cx="187191" cy="29340"/>
+              <a:off x="7470555" y="5434791"/>
+              <a:ext cx="170903" cy="26787"/>
             </a:xfrm>
             <a:prstGeom prst="rect">
               <a:avLst/>
@@ -7196,7 +7187,7 @@
             <a:p>
               <a:pPr algn="l" marL="0" marR="0" indent="0">
                 <a:lnSpc>
-                  <a:spcPts val="312"/>
+                  <a:spcPts val="284"/>
                 </a:lnSpc>
                 <a:spcBef>
                   <a:spcPts val="0"/>
@@ -7357,8 +7348,8 @@
           </p:nvSpPr>
           <p:spPr>
             <a:xfrm>
-              <a:off x="6828490" y="4309165"/>
-              <a:ext cx="382429" cy="77208"/>
+              <a:off x="6828710" y="4309211"/>
+              <a:ext cx="381989" cy="77120"/>
             </a:xfrm>
             <a:prstGeom prst="rect">
               <a:avLst/>
@@ -7371,7 +7362,7 @@
             <a:p>
               <a:pPr algn="l" marL="0" marR="0" indent="0">
                 <a:lnSpc>
-                  <a:spcPts val="821"/>
+                  <a:spcPts val="820"/>
                 </a:lnSpc>
                 <a:spcBef>
                   <a:spcPts val="0"/>
@@ -7381,7 +7372,7 @@
                 </a:spcAft>
               </a:pPr>
               <a:r>
-                <a:rPr sz="821" b="1">
+                <a:rPr sz="820" b="1">
                   <a:solidFill>
                     <a:srgbClr val="000000">
                       <a:alpha val="100000"/>
@@ -7403,8 +7394,8 @@
           </p:nvSpPr>
           <p:spPr>
             <a:xfrm>
-              <a:off x="7850441" y="5202025"/>
-              <a:ext cx="153869" cy="26970"/>
+              <a:off x="7838951" y="5199945"/>
+              <a:ext cx="176848" cy="30998"/>
             </a:xfrm>
             <a:prstGeom prst="rect">
               <a:avLst/>
@@ -7417,7 +7408,7 @@
             <a:p>
               <a:pPr algn="l" marL="0" marR="0" indent="0">
                 <a:lnSpc>
-                  <a:spcPts val="286"/>
+                  <a:spcPts val="329"/>
                 </a:lnSpc>
                 <a:spcBef>
                   <a:spcPts val="0"/>
@@ -7440,8 +7431,8 @@
           </p:nvSpPr>
           <p:spPr>
             <a:xfrm>
-              <a:off x="6829353" y="5803821"/>
-              <a:ext cx="315014" cy="46123"/>
+              <a:off x="6839548" y="5805363"/>
+              <a:ext cx="294624" cy="43138"/>
             </a:xfrm>
             <a:prstGeom prst="rect">
               <a:avLst/>
@@ -7454,7 +7445,7 @@
             <a:p>
               <a:pPr algn="l" marL="0" marR="0" indent="0">
                 <a:lnSpc>
-                  <a:spcPts val="490"/>
+                  <a:spcPts val="458"/>
                 </a:lnSpc>
                 <a:spcBef>
                   <a:spcPts val="0"/>
@@ -7464,7 +7455,7 @@
                 </a:spcAft>
               </a:pPr>
               <a:r>
-                <a:rPr sz="490" b="1">
+                <a:rPr sz="458" b="1">
                   <a:solidFill>
                     <a:srgbClr val="000000">
                       <a:alpha val="100000"/>
@@ -7486,8 +7477,8 @@
           </p:nvSpPr>
           <p:spPr>
             <a:xfrm>
-              <a:off x="8028445" y="5202918"/>
-              <a:ext cx="151545" cy="25240"/>
+              <a:off x="8013545" y="5200355"/>
+              <a:ext cx="181344" cy="30204"/>
             </a:xfrm>
             <a:prstGeom prst="rect">
               <a:avLst/>
@@ -7500,7 +7491,7 @@
             <a:p>
               <a:pPr algn="l" marL="0" marR="0" indent="0">
                 <a:lnSpc>
-                  <a:spcPts val="268"/>
+                  <a:spcPts val="321"/>
                 </a:lnSpc>
                 <a:spcBef>
                   <a:spcPts val="0"/>
@@ -7569,8 +7560,8 @@
           </p:nvSpPr>
           <p:spPr>
             <a:xfrm>
-              <a:off x="6373942" y="5302827"/>
-              <a:ext cx="446293" cy="59497"/>
+              <a:off x="6379975" y="5303659"/>
+              <a:ext cx="434227" cy="57889"/>
             </a:xfrm>
             <a:prstGeom prst="rect">
               <a:avLst/>
@@ -7583,7 +7574,7 @@
             <a:p>
               <a:pPr algn="l" marL="0" marR="0" indent="0">
                 <a:lnSpc>
-                  <a:spcPts val="632"/>
+                  <a:spcPts val="615"/>
                 </a:lnSpc>
                 <a:spcBef>
                   <a:spcPts val="0"/>
@@ -7593,7 +7584,7 @@
                 </a:spcAft>
               </a:pPr>
               <a:r>
-                <a:rPr sz="632" b="1">
+                <a:rPr sz="615" b="1">
                   <a:solidFill>
                     <a:srgbClr val="000000">
                       <a:alpha val="100000"/>
@@ -7661,8 +7652,8 @@
           </p:nvSpPr>
           <p:spPr>
             <a:xfrm>
-              <a:off x="7482848" y="3194609"/>
-              <a:ext cx="405115" cy="65249"/>
+              <a:off x="7451576" y="3189572"/>
+              <a:ext cx="467660" cy="75322"/>
             </a:xfrm>
             <a:prstGeom prst="rect">
               <a:avLst/>
@@ -7675,7 +7666,7 @@
             <a:p>
               <a:pPr algn="l" marL="0" marR="0" indent="0">
                 <a:lnSpc>
-                  <a:spcPts val="717"/>
+                  <a:spcPts val="828"/>
                 </a:lnSpc>
                 <a:spcBef>
                   <a:spcPts val="0"/>
@@ -7685,7 +7676,7 @@
                 </a:spcAft>
               </a:pPr>
               <a:r>
-                <a:rPr sz="717" b="1">
+                <a:rPr sz="828" b="1">
                   <a:solidFill>
                     <a:srgbClr val="000000">
                       <a:alpha val="100000"/>
@@ -7707,8 +7698,8 @@
           </p:nvSpPr>
           <p:spPr>
             <a:xfrm>
-              <a:off x="8198244" y="5198664"/>
-              <a:ext cx="165632" cy="33457"/>
+              <a:off x="8203178" y="5199694"/>
+              <a:ext cx="155763" cy="31463"/>
             </a:xfrm>
             <a:prstGeom prst="rect">
               <a:avLst/>
@@ -7721,7 +7712,7 @@
             <a:p>
               <a:pPr algn="l" marL="0" marR="0" indent="0">
                 <a:lnSpc>
-                  <a:spcPts val="355"/>
+                  <a:spcPts val="334"/>
                 </a:lnSpc>
                 <a:spcBef>
                   <a:spcPts val="0"/>
@@ -7836,8 +7827,8 @@
           </p:nvSpPr>
           <p:spPr>
             <a:xfrm>
-              <a:off x="7670267" y="5370636"/>
-              <a:ext cx="160532" cy="28141"/>
+              <a:off x="7658818" y="5368562"/>
+              <a:ext cx="183430" cy="32155"/>
             </a:xfrm>
             <a:prstGeom prst="rect">
               <a:avLst/>
@@ -7850,7 +7841,7 @@
             <a:p>
               <a:pPr algn="l" marL="0" marR="0" indent="0">
                 <a:lnSpc>
-                  <a:spcPts val="299"/>
+                  <a:spcPts val="342"/>
                 </a:lnSpc>
                 <a:spcBef>
                   <a:spcPts val="0"/>
@@ -7873,8 +7864,8 @@
           </p:nvSpPr>
           <p:spPr>
             <a:xfrm>
-              <a:off x="8108705" y="4701415"/>
-              <a:ext cx="242826" cy="49655"/>
+              <a:off x="8106320" y="4700927"/>
+              <a:ext cx="247597" cy="50631"/>
             </a:xfrm>
             <a:prstGeom prst="rect">
               <a:avLst/>
@@ -7887,7 +7878,7 @@
             <a:p>
               <a:pPr algn="l" marL="0" marR="0" indent="0">
                 <a:lnSpc>
-                  <a:spcPts val="546"/>
+                  <a:spcPts val="556"/>
                 </a:lnSpc>
                 <a:spcBef>
                   <a:spcPts val="0"/>
@@ -7897,7 +7888,7 @@
                 </a:spcAft>
               </a:pPr>
               <a:r>
-                <a:rPr sz="546" b="1">
+                <a:rPr sz="556" b="1">
                   <a:solidFill>
                     <a:srgbClr val="000000">
                       <a:alpha val="100000"/>
@@ -7919,8 +7910,8 @@
           </p:nvSpPr>
           <p:spPr>
             <a:xfrm>
-              <a:off x="8242928" y="5460462"/>
-              <a:ext cx="120474" cy="18036"/>
+              <a:off x="8234555" y="5459167"/>
+              <a:ext cx="137220" cy="20543"/>
             </a:xfrm>
             <a:prstGeom prst="rect">
               <a:avLst/>
@@ -7933,7 +7924,7 @@
             <a:p>
               <a:pPr algn="l" marL="0" marR="0" indent="0">
                 <a:lnSpc>
-                  <a:spcPts val="191"/>
+                  <a:spcPts val="218"/>
                 </a:lnSpc>
                 <a:spcBef>
                   <a:spcPts val="0"/>
@@ -7956,8 +7947,8 @@
           </p:nvSpPr>
           <p:spPr>
             <a:xfrm>
-              <a:off x="7842720" y="5573995"/>
-              <a:ext cx="125099" cy="16902"/>
+              <a:off x="7844575" y="5574250"/>
+              <a:ext cx="121390" cy="16401"/>
             </a:xfrm>
             <a:prstGeom prst="rect">
               <a:avLst/>
@@ -7970,7 +7961,7 @@
             <a:p>
               <a:pPr algn="l" marL="0" marR="0" indent="0">
                 <a:lnSpc>
-                  <a:spcPts val="182"/>
+                  <a:spcPts val="177"/>
                 </a:lnSpc>
                 <a:spcBef>
                   <a:spcPts val="0"/>
@@ -7993,8 +7984,8 @@
           </p:nvSpPr>
           <p:spPr>
             <a:xfrm>
-              <a:off x="7842493" y="5684465"/>
-              <a:ext cx="125553" cy="21867"/>
+              <a:off x="7851139" y="5685971"/>
+              <a:ext cx="108262" cy="18856"/>
             </a:xfrm>
             <a:prstGeom prst="rect">
               <a:avLst/>
@@ -8007,7 +7998,7 @@
             <a:p>
               <a:pPr algn="l" marL="0" marR="0" indent="0">
                 <a:lnSpc>
-                  <a:spcPts val="240"/>
+                  <a:spcPts val="207"/>
                 </a:lnSpc>
                 <a:spcBef>
                   <a:spcPts val="0"/>
@@ -8030,8 +8021,8 @@
           </p:nvSpPr>
           <p:spPr>
             <a:xfrm>
-              <a:off x="5777274" y="3838013"/>
-              <a:ext cx="574776" cy="81527"/>
+              <a:off x="5766977" y="3836503"/>
+              <a:ext cx="595368" cy="84448"/>
             </a:xfrm>
             <a:prstGeom prst="rect">
               <a:avLst/>
@@ -8044,7 +8035,7 @@
             <a:p>
               <a:pPr algn="l" marL="0" marR="0" indent="0">
                 <a:lnSpc>
-                  <a:spcPts val="866"/>
+                  <a:spcPts val="897"/>
                 </a:lnSpc>
                 <a:spcBef>
                   <a:spcPts val="0"/>
@@ -8054,7 +8045,7 @@
                 </a:spcAft>
               </a:pPr>
               <a:r>
-                <a:rPr sz="866" b="1">
+                <a:rPr sz="897" b="1">
                   <a:solidFill>
                     <a:srgbClr val="000000">
                       <a:alpha val="100000"/>
@@ -8076,8 +8067,8 @@
           </p:nvSpPr>
           <p:spPr>
             <a:xfrm>
-              <a:off x="7843657" y="5799717"/>
-              <a:ext cx="123226" cy="16430"/>
+              <a:off x="7847565" y="5800256"/>
+              <a:ext cx="115411" cy="15388"/>
             </a:xfrm>
             <a:prstGeom prst="rect">
               <a:avLst/>
@@ -8090,7 +8081,7 @@
             <a:p>
               <a:pPr algn="l" marL="0" marR="0" indent="0">
                 <a:lnSpc>
-                  <a:spcPts val="174"/>
+                  <a:spcPts val="163"/>
                 </a:lnSpc>
                 <a:spcBef>
                   <a:spcPts val="0"/>
@@ -8113,8 +8104,8 @@
           </p:nvSpPr>
           <p:spPr>
             <a:xfrm>
-              <a:off x="6407158" y="4339689"/>
-              <a:ext cx="379860" cy="71279"/>
+              <a:off x="6412642" y="4340752"/>
+              <a:ext cx="368891" cy="69221"/>
             </a:xfrm>
             <a:prstGeom prst="rect">
               <a:avLst/>
@@ -8127,7 +8118,7 @@
             <a:p>
               <a:pPr algn="l" marL="0" marR="0" indent="0">
                 <a:lnSpc>
-                  <a:spcPts val="758"/>
+                  <a:spcPts val="736"/>
                 </a:lnSpc>
                 <a:spcBef>
                   <a:spcPts val="0"/>
@@ -8137,7 +8128,7 @@
                 </a:spcAft>
               </a:pPr>
               <a:r>
-                <a:rPr sz="758" b="1">
+                <a:rPr sz="736" b="1">
                   <a:solidFill>
                     <a:srgbClr val="000000">
                       <a:alpha val="100000"/>
@@ -8159,8 +8150,8 @@
           </p:nvSpPr>
           <p:spPr>
             <a:xfrm>
-              <a:off x="7843487" y="5912429"/>
-              <a:ext cx="123565" cy="16631"/>
+              <a:off x="7847454" y="5912981"/>
+              <a:ext cx="115631" cy="15564"/>
             </a:xfrm>
             <a:prstGeom prst="rect">
               <a:avLst/>
@@ -8173,7 +8164,7 @@
             <a:p>
               <a:pPr algn="l" marL="0" marR="0" indent="0">
                 <a:lnSpc>
-                  <a:spcPts val="176"/>
+                  <a:spcPts val="165"/>
                 </a:lnSpc>
                 <a:spcBef>
                   <a:spcPts val="0"/>
@@ -8196,8 +8187,8 @@
           </p:nvSpPr>
           <p:spPr>
             <a:xfrm>
-              <a:off x="7956760" y="4994091"/>
-              <a:ext cx="212388" cy="29480"/>
+              <a:off x="7962317" y="4994887"/>
+              <a:ext cx="201273" cy="27937"/>
             </a:xfrm>
             <a:prstGeom prst="rect">
               <a:avLst/>
@@ -8210,7 +8201,7 @@
             <a:p>
               <a:pPr algn="l" marL="0" marR="0" indent="0">
                 <a:lnSpc>
-                  <a:spcPts val="313"/>
+                  <a:spcPts val="297"/>
                 </a:lnSpc>
                 <a:spcBef>
                   <a:spcPts val="0"/>
@@ -8233,8 +8224,8 @@
           </p:nvSpPr>
           <p:spPr>
             <a:xfrm>
-              <a:off x="7975368" y="5572123"/>
-              <a:ext cx="125066" cy="20930"/>
+              <a:off x="7987370" y="5574132"/>
+              <a:ext cx="101063" cy="16913"/>
             </a:xfrm>
             <a:prstGeom prst="rect">
               <a:avLst/>
@@ -8247,7 +8238,7 @@
             <a:p>
               <a:pPr algn="l" marL="0" marR="0" indent="0">
                 <a:lnSpc>
-                  <a:spcPts val="230"/>
+                  <a:spcPts val="186"/>
                 </a:lnSpc>
                 <a:spcBef>
                   <a:spcPts val="0"/>
@@ -8270,8 +8261,8 @@
           </p:nvSpPr>
           <p:spPr>
             <a:xfrm>
-              <a:off x="8111936" y="5570212"/>
-              <a:ext cx="117194" cy="24752"/>
+              <a:off x="8099386" y="5567561"/>
+              <a:ext cx="142295" cy="30053"/>
             </a:xfrm>
             <a:prstGeom prst="rect">
               <a:avLst/>
@@ -8284,7 +8275,7 @@
             <a:p>
               <a:pPr algn="l" marL="0" marR="0" indent="0">
                 <a:lnSpc>
-                  <a:spcPts val="272"/>
+                  <a:spcPts val="330"/>
                 </a:lnSpc>
                 <a:spcBef>
                   <a:spcPts val="0"/>
@@ -8307,8 +8298,8 @@
           </p:nvSpPr>
           <p:spPr>
             <a:xfrm>
-              <a:off x="4990266" y="4026214"/>
-              <a:ext cx="766670" cy="75160"/>
+              <a:off x="5041439" y="4031400"/>
+              <a:ext cx="664322" cy="65127"/>
             </a:xfrm>
             <a:prstGeom prst="rect">
               <a:avLst/>
@@ -8321,7 +8312,7 @@
             <a:p>
               <a:pPr algn="l" marL="0" marR="0" indent="0">
                 <a:lnSpc>
-                  <a:spcPts val="798"/>
+                  <a:spcPts val="692"/>
                 </a:lnSpc>
                 <a:spcBef>
                   <a:spcPts val="0"/>
@@ -8331,7 +8322,7 @@
                 </a:spcAft>
               </a:pPr>
               <a:r>
-                <a:rPr sz="798" b="1">
+                <a:rPr sz="692" b="1">
                   <a:solidFill>
                     <a:srgbClr val="000000">
                       <a:alpha val="100000"/>
@@ -8353,8 +8344,8 @@
           </p:nvSpPr>
           <p:spPr>
             <a:xfrm>
-              <a:off x="6486482" y="4761535"/>
-              <a:ext cx="221212" cy="67873"/>
+              <a:off x="6488350" y="4763262"/>
+              <a:ext cx="217475" cy="66726"/>
             </a:xfrm>
             <a:prstGeom prst="rect">
               <a:avLst/>
@@ -8367,7 +8358,7 @@
             <a:p>
               <a:pPr algn="l" marL="0" marR="0" indent="0">
                 <a:lnSpc>
-                  <a:spcPts val="746"/>
+                  <a:spcPts val="733"/>
                 </a:lnSpc>
                 <a:spcBef>
                   <a:spcPts val="0"/>
@@ -8377,7 +8368,7 @@
                 </a:spcAft>
               </a:pPr>
               <a:r>
-                <a:rPr sz="746" b="1">
+                <a:rPr sz="733" b="1">
                   <a:solidFill>
                     <a:srgbClr val="000000">
                       <a:alpha val="100000"/>
@@ -8399,8 +8390,8 @@
           </p:nvSpPr>
           <p:spPr>
             <a:xfrm>
-              <a:off x="6370597" y="4898074"/>
-              <a:ext cx="452981" cy="67873"/>
+              <a:off x="6374423" y="4897494"/>
+              <a:ext cx="445329" cy="66726"/>
             </a:xfrm>
             <a:prstGeom prst="rect">
               <a:avLst/>
@@ -8413,7 +8404,7 @@
             <a:p>
               <a:pPr algn="l" marL="0" marR="0" indent="0">
                 <a:lnSpc>
-                  <a:spcPts val="746"/>
+                  <a:spcPts val="733"/>
                 </a:lnSpc>
                 <a:spcBef>
                   <a:spcPts val="0"/>
@@ -8423,7 +8414,7 @@
                 </a:spcAft>
               </a:pPr>
               <a:r>
-                <a:rPr sz="746" b="1">
+                <a:rPr sz="733" b="1">
                   <a:solidFill>
                     <a:srgbClr val="000000">
                       <a:alpha val="100000"/>
@@ -8445,8 +8436,8 @@
           </p:nvSpPr>
           <p:spPr>
             <a:xfrm>
-              <a:off x="8246604" y="5568932"/>
-              <a:ext cx="113122" cy="26440"/>
+              <a:off x="8236849" y="5566577"/>
+              <a:ext cx="132631" cy="31000"/>
             </a:xfrm>
             <a:prstGeom prst="rect">
               <a:avLst/>
@@ -8459,7 +8450,7 @@
             <a:p>
               <a:pPr algn="l" marL="0" marR="0" indent="0">
                 <a:lnSpc>
-                  <a:spcPts val="281"/>
+                  <a:spcPts val="329"/>
                 </a:lnSpc>
                 <a:spcBef>
                   <a:spcPts val="0"/>
@@ -8528,8 +8519,8 @@
           </p:nvSpPr>
           <p:spPr>
             <a:xfrm>
-              <a:off x="7689920" y="5516798"/>
-              <a:ext cx="121226" cy="25240"/>
+              <a:off x="7678001" y="5509407"/>
+              <a:ext cx="145063" cy="30204"/>
             </a:xfrm>
             <a:prstGeom prst="rect">
               <a:avLst/>
@@ -8542,7 +8533,7 @@
             <a:p>
               <a:pPr algn="l" marL="0" marR="0" indent="0">
                 <a:lnSpc>
-                  <a:spcPts val="268"/>
+                  <a:spcPts val="321"/>
                 </a:lnSpc>
                 <a:spcBef>
                   <a:spcPts val="0"/>
@@ -8565,8 +8556,8 @@
           </p:nvSpPr>
           <p:spPr>
             <a:xfrm>
-              <a:off x="7674760" y="5566733"/>
-              <a:ext cx="151545" cy="24408"/>
+              <a:off x="7659861" y="5569160"/>
+              <a:ext cx="181344" cy="29207"/>
             </a:xfrm>
             <a:prstGeom prst="rect">
               <a:avLst/>
@@ -8579,7 +8570,7 @@
             <a:p>
               <a:pPr algn="l" marL="0" marR="0" indent="0">
                 <a:lnSpc>
-                  <a:spcPts val="268"/>
+                  <a:spcPts val="321"/>
                 </a:lnSpc>
                 <a:spcBef>
                   <a:spcPts val="0"/>
@@ -8694,8 +8685,8 @@
           </p:nvSpPr>
           <p:spPr>
             <a:xfrm>
-              <a:off x="7176812" y="5008657"/>
-              <a:ext cx="257951" cy="67593"/>
+              <a:off x="7159553" y="5004058"/>
+              <a:ext cx="292470" cy="76638"/>
             </a:xfrm>
             <a:prstGeom prst="rect">
               <a:avLst/>
@@ -8708,7 +8699,7 @@
             <a:p>
               <a:pPr algn="l" marL="0" marR="0" indent="0">
                 <a:lnSpc>
-                  <a:spcPts val="731"/>
+                  <a:spcPts val="828"/>
                 </a:lnSpc>
                 <a:spcBef>
                   <a:spcPts val="0"/>
@@ -8718,7 +8709,7 @@
                 </a:spcAft>
               </a:pPr>
               <a:r>
-                <a:rPr sz="731" b="1">
+                <a:rPr sz="828" b="1">
                   <a:solidFill>
                     <a:srgbClr val="000000">
                       <a:alpha val="100000"/>
@@ -8740,8 +8731,8 @@
           </p:nvSpPr>
           <p:spPr>
             <a:xfrm>
-              <a:off x="7464179" y="3850030"/>
-              <a:ext cx="436993" cy="52009"/>
+              <a:off x="7432057" y="3846079"/>
+              <a:ext cx="501237" cy="59656"/>
             </a:xfrm>
             <a:prstGeom prst="rect">
               <a:avLst/>
@@ -8754,7 +8745,7 @@
             <a:p>
               <a:pPr algn="l" marL="0" marR="0" indent="0">
                 <a:lnSpc>
-                  <a:spcPts val="552"/>
+                  <a:spcPts val="634"/>
                 </a:lnSpc>
                 <a:spcBef>
                   <a:spcPts val="0"/>
@@ -8764,7 +8755,7 @@
                 </a:spcAft>
               </a:pPr>
               <a:r>
-                <a:rPr sz="552" b="1">
+                <a:rPr sz="634" b="1">
                   <a:solidFill>
                     <a:srgbClr val="000000">
                       <a:alpha val="100000"/>
@@ -8786,8 +8777,8 @@
           </p:nvSpPr>
           <p:spPr>
             <a:xfrm>
-              <a:off x="7218899" y="4309903"/>
-              <a:ext cx="432243" cy="75781"/>
+              <a:off x="7249223" y="4315395"/>
+              <a:ext cx="371595" cy="65148"/>
             </a:xfrm>
             <a:prstGeom prst="rect">
               <a:avLst/>
@@ -8800,7 +8791,7 @@
             <a:p>
               <a:pPr algn="l" marL="0" marR="0" indent="0">
                 <a:lnSpc>
-                  <a:spcPts val="806"/>
+                  <a:spcPts val="692"/>
                 </a:lnSpc>
                 <a:spcBef>
                   <a:spcPts val="0"/>
@@ -8810,7 +8801,7 @@
                 </a:spcAft>
               </a:pPr>
               <a:r>
-                <a:rPr sz="806" b="1">
+                <a:rPr sz="692" b="1">
                   <a:solidFill>
                     <a:srgbClr val="000000">
                       <a:alpha val="100000"/>
@@ -8832,8 +8823,8 @@
           </p:nvSpPr>
           <p:spPr>
             <a:xfrm>
-              <a:off x="7447539" y="5645363"/>
-              <a:ext cx="216935" cy="28620"/>
+              <a:off x="7458442" y="5646849"/>
+              <a:ext cx="195129" cy="25743"/>
             </a:xfrm>
             <a:prstGeom prst="rect">
               <a:avLst/>
@@ -8846,7 +8837,7 @@
             <a:p>
               <a:pPr algn="l" marL="0" marR="0" indent="0">
                 <a:lnSpc>
-                  <a:spcPts val="304"/>
+                  <a:spcPts val="273"/>
                 </a:lnSpc>
                 <a:spcBef>
                   <a:spcPts val="0"/>
@@ -8869,8 +8860,8 @@
           </p:nvSpPr>
           <p:spPr>
             <a:xfrm>
-              <a:off x="7969429" y="5678377"/>
-              <a:ext cx="136945" cy="30808"/>
+              <a:off x="7964340" y="5677112"/>
+              <a:ext cx="147122" cy="33098"/>
             </a:xfrm>
             <a:prstGeom prst="rect">
               <a:avLst/>
@@ -8883,7 +8874,7 @@
             <a:p>
               <a:pPr algn="l" marL="0" marR="0" indent="0">
                 <a:lnSpc>
-                  <a:spcPts val="303"/>
+                  <a:spcPts val="325"/>
                 </a:lnSpc>
                 <a:spcBef>
                   <a:spcPts val="0"/>
@@ -8906,8 +8897,8 @@
           </p:nvSpPr>
           <p:spPr>
             <a:xfrm>
-              <a:off x="7462602" y="5856715"/>
-              <a:ext cx="186808" cy="28945"/>
+              <a:off x="7469795" y="5857866"/>
+              <a:ext cx="172422" cy="26716"/>
             </a:xfrm>
             <a:prstGeom prst="rect">
               <a:avLst/>
@@ -8920,7 +8911,7 @@
             <a:p>
               <a:pPr algn="l" marL="0" marR="0" indent="0">
                 <a:lnSpc>
-                  <a:spcPts val="307"/>
+                  <a:spcPts val="284"/>
                 </a:lnSpc>
                 <a:spcBef>
                   <a:spcPts val="0"/>
@@ -8943,8 +8934,8 @@
           </p:nvSpPr>
           <p:spPr>
             <a:xfrm>
-              <a:off x="6804080" y="4720738"/>
-              <a:ext cx="365561" cy="71666"/>
+              <a:off x="6807522" y="4721436"/>
+              <a:ext cx="358676" cy="70316"/>
             </a:xfrm>
             <a:prstGeom prst="rect">
               <a:avLst/>
@@ -8957,7 +8948,7 @@
             <a:p>
               <a:pPr algn="l" marL="0" marR="0" indent="0">
                 <a:lnSpc>
-                  <a:spcPts val="761"/>
+                  <a:spcPts val="747"/>
                 </a:lnSpc>
                 <a:spcBef>
                   <a:spcPts val="0"/>
@@ -8967,7 +8958,7 @@
                 </a:spcAft>
               </a:pPr>
               <a:r>
-                <a:rPr sz="761" b="1">
+                <a:rPr sz="747" b="1">
                   <a:solidFill>
                     <a:srgbClr val="000000">
                       <a:alpha val="100000"/>
@@ -8989,8 +8980,8 @@
           </p:nvSpPr>
           <p:spPr>
             <a:xfrm>
-              <a:off x="7660354" y="5709429"/>
-              <a:ext cx="180357" cy="28345"/>
+              <a:off x="7657395" y="5708964"/>
+              <a:ext cx="186276" cy="29275"/>
             </a:xfrm>
             <a:prstGeom prst="rect">
               <a:avLst/>
@@ -9003,7 +8994,7 @@
             <a:p>
               <a:pPr algn="l" marL="0" marR="0" indent="0">
                 <a:lnSpc>
-                  <a:spcPts val="311"/>
+                  <a:spcPts val="322"/>
                 </a:lnSpc>
                 <a:spcBef>
                   <a:spcPts val="0"/>
@@ -9118,8 +9109,8 @@
           </p:nvSpPr>
           <p:spPr>
             <a:xfrm>
-              <a:off x="8019083" y="4324601"/>
-              <a:ext cx="354698" cy="47295"/>
+              <a:off x="8038239" y="4327241"/>
+              <a:ext cx="316387" cy="42186"/>
             </a:xfrm>
             <a:prstGeom prst="rect">
               <a:avLst/>
@@ -9132,7 +9123,7 @@
             <a:p>
               <a:pPr algn="l" marL="0" marR="0" indent="0">
                 <a:lnSpc>
-                  <a:spcPts val="502"/>
+                  <a:spcPts val="448"/>
                 </a:lnSpc>
                 <a:spcBef>
                   <a:spcPts val="0"/>
@@ -9142,7 +9133,7 @@
                 </a:spcAft>
               </a:pPr>
               <a:r>
-                <a:rPr sz="502" b="1">
+                <a:rPr sz="448" b="1">
                   <a:solidFill>
                     <a:srgbClr val="000000">
                       <a:alpha val="100000"/>
@@ -9164,8 +9155,8 @@
           </p:nvSpPr>
           <p:spPr>
             <a:xfrm>
-              <a:off x="5040455" y="5554450"/>
-              <a:ext cx="666290" cy="82242"/>
+              <a:off x="5040911" y="5554508"/>
+              <a:ext cx="665378" cy="82130"/>
             </a:xfrm>
             <a:prstGeom prst="rect">
               <a:avLst/>
@@ -9178,7 +9169,7 @@
             <a:p>
               <a:pPr algn="l" marL="0" marR="0" indent="0">
                 <a:lnSpc>
-                  <a:spcPts val="874"/>
+                  <a:spcPts val="873"/>
                 </a:lnSpc>
                 <a:spcBef>
                   <a:spcPts val="0"/>
@@ -9188,7 +9179,7 @@
                 </a:spcAft>
               </a:pPr>
               <a:r>
-                <a:rPr sz="874" b="1">
+                <a:rPr sz="873" b="1">
                   <a:solidFill>
                     <a:srgbClr val="000000">
                       <a:alpha val="100000"/>
@@ -9210,8 +9201,8 @@
           </p:nvSpPr>
           <p:spPr>
             <a:xfrm>
-              <a:off x="7980266" y="5799669"/>
-              <a:ext cx="115271" cy="16524"/>
+              <a:off x="7966768" y="5797669"/>
+              <a:ext cx="142268" cy="20395"/>
             </a:xfrm>
             <a:prstGeom prst="rect">
               <a:avLst/>
@@ -9224,7 +9215,7 @@
             <a:p>
               <a:pPr algn="l" marL="0" marR="0" indent="0">
                 <a:lnSpc>
-                  <a:spcPts val="175"/>
+                  <a:spcPts val="216"/>
                 </a:lnSpc>
                 <a:spcBef>
                   <a:spcPts val="0"/>
@@ -9247,8 +9238,8 @@
           </p:nvSpPr>
           <p:spPr>
             <a:xfrm>
-              <a:off x="7981860" y="5885703"/>
-              <a:ext cx="112084" cy="23720"/>
+              <a:off x="7985398" y="5887932"/>
+              <a:ext cx="105007" cy="22223"/>
             </a:xfrm>
             <a:prstGeom prst="rect">
               <a:avLst/>
@@ -9261,7 +9252,7 @@
             <a:p>
               <a:pPr algn="l" marL="0" marR="0" indent="0">
                 <a:lnSpc>
-                  <a:spcPts val="252"/>
+                  <a:spcPts val="236"/>
                 </a:lnSpc>
                 <a:spcBef>
                   <a:spcPts val="0"/>
@@ -9284,8 +9275,8 @@
           </p:nvSpPr>
           <p:spPr>
             <a:xfrm>
-              <a:off x="7977419" y="5931833"/>
-              <a:ext cx="120965" cy="23705"/>
+              <a:off x="7981237" y="5931150"/>
+              <a:ext cx="113328" cy="22208"/>
             </a:xfrm>
             <a:prstGeom prst="rect">
               <a:avLst/>
@@ -9298,7 +9289,7 @@
             <a:p>
               <a:pPr algn="l" marL="0" marR="0" indent="0">
                 <a:lnSpc>
-                  <a:spcPts val="252"/>
+                  <a:spcPts val="236"/>
                 </a:lnSpc>
                 <a:spcBef>
                   <a:spcPts val="0"/>
@@ -9459,8 +9450,8 @@
           </p:nvSpPr>
           <p:spPr>
             <a:xfrm>
-              <a:off x="8110542" y="5665626"/>
-              <a:ext cx="119983" cy="19997"/>
+              <a:off x="8103397" y="5662080"/>
+              <a:ext cx="134273" cy="22378"/>
             </a:xfrm>
             <a:prstGeom prst="rect">
               <a:avLst/>
@@ -9473,7 +9464,7 @@
             <a:p>
               <a:pPr algn="l" marL="0" marR="0" indent="0">
                 <a:lnSpc>
-                  <a:spcPts val="212"/>
+                  <a:spcPts val="237"/>
                 </a:lnSpc>
                 <a:spcBef>
                   <a:spcPts val="0"/>
@@ -9496,8 +9487,8 @@
           </p:nvSpPr>
           <p:spPr>
             <a:xfrm>
-              <a:off x="8139028" y="5705174"/>
-              <a:ext cx="63010" cy="19325"/>
+              <a:off x="8135276" y="5706338"/>
+              <a:ext cx="70514" cy="21626"/>
             </a:xfrm>
             <a:prstGeom prst="rect">
               <a:avLst/>
@@ -9510,7 +9501,7 @@
             <a:p>
               <a:pPr algn="l" marL="0" marR="0" indent="0">
                 <a:lnSpc>
-                  <a:spcPts val="212"/>
+                  <a:spcPts val="237"/>
                 </a:lnSpc>
                 <a:spcBef>
                   <a:spcPts val="0"/>
@@ -9533,8 +9524,8 @@
           </p:nvSpPr>
           <p:spPr>
             <a:xfrm>
-              <a:off x="7179132" y="5612728"/>
-              <a:ext cx="253312" cy="52770"/>
+              <a:off x="7182847" y="5613528"/>
+              <a:ext cx="245882" cy="51222"/>
             </a:xfrm>
             <a:prstGeom prst="rect">
               <a:avLst/>
@@ -9547,7 +9538,7 @@
             <a:p>
               <a:pPr algn="l" marL="0" marR="0" indent="0">
                 <a:lnSpc>
-                  <a:spcPts val="560"/>
+                  <a:spcPts val="544"/>
                 </a:lnSpc>
                 <a:spcBef>
                   <a:spcPts val="0"/>
@@ -9557,7 +9548,7 @@
                 </a:spcAft>
               </a:pPr>
               <a:r>
-                <a:rPr sz="560" b="1">
+                <a:rPr sz="544" b="1">
                   <a:solidFill>
                     <a:srgbClr val="000000">
                       <a:alpha val="100000"/>
@@ -9579,8 +9570,8 @@
           </p:nvSpPr>
           <p:spPr>
             <a:xfrm>
-              <a:off x="8247664" y="5688315"/>
-              <a:ext cx="111002" cy="13705"/>
+              <a:off x="8248738" y="5688452"/>
+              <a:ext cx="108853" cy="13440"/>
             </a:xfrm>
             <a:prstGeom prst="rect">
               <a:avLst/>
@@ -9593,7 +9584,7 @@
             <a:p>
               <a:pPr algn="l" marL="0" marR="0" indent="0">
                 <a:lnSpc>
-                  <a:spcPts val="145"/>
+                  <a:spcPts val="142"/>
                 </a:lnSpc>
                 <a:spcBef>
                   <a:spcPts val="0"/>
@@ -9616,8 +9607,8 @@
           </p:nvSpPr>
           <p:spPr>
             <a:xfrm>
-              <a:off x="6908706" y="3831117"/>
-              <a:ext cx="525038" cy="88606"/>
+              <a:off x="6908184" y="3831026"/>
+              <a:ext cx="526082" cy="88782"/>
             </a:xfrm>
             <a:prstGeom prst="rect">
               <a:avLst/>
@@ -9630,7 +9621,7 @@
             <a:p>
               <a:pPr algn="l" marL="0" marR="0" indent="0">
                 <a:lnSpc>
-                  <a:spcPts val="941"/>
+                  <a:spcPts val="943"/>
                 </a:lnSpc>
                 <a:spcBef>
                   <a:spcPts val="0"/>
@@ -9640,7 +9631,7 @@
                 </a:spcAft>
               </a:pPr>
               <a:r>
-                <a:rPr sz="941" b="1">
+                <a:rPr sz="943" b="1">
                   <a:solidFill>
                     <a:srgbClr val="000000">
                       <a:alpha val="100000"/>
@@ -9662,8 +9653,8 @@
           </p:nvSpPr>
           <p:spPr>
             <a:xfrm>
-              <a:off x="7639547" y="4328686"/>
-              <a:ext cx="386968" cy="39390"/>
+              <a:off x="7639761" y="4328708"/>
+              <a:ext cx="386541" cy="39346"/>
             </a:xfrm>
             <a:prstGeom prst="rect">
               <a:avLst/>
@@ -9699,8 +9690,8 @@
           </p:nvSpPr>
           <p:spPr>
             <a:xfrm>
-              <a:off x="8113984" y="5794042"/>
-              <a:ext cx="113098" cy="27411"/>
+              <a:off x="8102999" y="5791290"/>
+              <a:ext cx="135069" cy="32736"/>
             </a:xfrm>
             <a:prstGeom prst="rect">
               <a:avLst/>
@@ -9713,7 +9704,7 @@
             <a:p>
               <a:pPr algn="l" marL="0" marR="0" indent="0">
                 <a:lnSpc>
-                  <a:spcPts val="291"/>
+                  <a:spcPts val="347"/>
                 </a:lnSpc>
                 <a:spcBef>
                   <a:spcPts val="0"/>
@@ -9736,8 +9727,8 @@
           </p:nvSpPr>
           <p:spPr>
             <a:xfrm>
-              <a:off x="6823241" y="5483764"/>
-              <a:ext cx="327238" cy="45837"/>
+              <a:off x="6840867" y="5486233"/>
+              <a:ext cx="291987" cy="40899"/>
             </a:xfrm>
             <a:prstGeom prst="rect">
               <a:avLst/>
@@ -9750,7 +9741,7 @@
             <a:p>
               <a:pPr algn="l" marL="0" marR="0" indent="0">
                 <a:lnSpc>
-                  <a:spcPts val="504"/>
+                  <a:spcPts val="449"/>
                 </a:lnSpc>
                 <a:spcBef>
                   <a:spcPts val="0"/>
@@ -9760,7 +9751,7 @@
                 </a:spcAft>
               </a:pPr>
               <a:r>
-                <a:rPr sz="504" b="1">
+                <a:rPr sz="449" b="1">
                   <a:solidFill>
                     <a:srgbClr val="000000">
                       <a:alpha val="100000"/>
@@ -9782,8 +9773,8 @@
           </p:nvSpPr>
           <p:spPr>
             <a:xfrm>
-              <a:off x="8101675" y="5907839"/>
-              <a:ext cx="137717" cy="25502"/>
+              <a:off x="8117867" y="5910939"/>
+              <a:ext cx="105333" cy="19505"/>
             </a:xfrm>
             <a:prstGeom prst="rect">
               <a:avLst/>
@@ -9796,7 +9787,7 @@
             <a:p>
               <a:pPr algn="l" marL="0" marR="0" indent="0">
                 <a:lnSpc>
-                  <a:spcPts val="271"/>
+                  <a:spcPts val="207"/>
                 </a:lnSpc>
                 <a:spcBef>
                   <a:spcPts val="0"/>
@@ -9819,8 +9810,8 @@
           </p:nvSpPr>
           <p:spPr>
             <a:xfrm>
-              <a:off x="7158094" y="4696325"/>
-              <a:ext cx="332340" cy="58850"/>
+              <a:off x="7159457" y="4696570"/>
+              <a:ext cx="329614" cy="58367"/>
             </a:xfrm>
             <a:prstGeom prst="rect">
               <a:avLst/>
@@ -9833,7 +9824,7 @@
             <a:p>
               <a:pPr algn="l" marL="0" marR="0" indent="0">
                 <a:lnSpc>
-                  <a:spcPts val="636"/>
+                  <a:spcPts val="631"/>
                 </a:lnSpc>
                 <a:spcBef>
                   <a:spcPts val="0"/>
@@ -9843,7 +9834,7 @@
                 </a:spcAft>
               </a:pPr>
               <a:r>
-                <a:rPr sz="636" b="1">
+                <a:rPr sz="631" b="1">
                   <a:solidFill>
                     <a:srgbClr val="000000">
                       <a:alpha val="100000"/>
@@ -9865,8 +9856,8 @@
           </p:nvSpPr>
           <p:spPr>
             <a:xfrm>
-              <a:off x="6869666" y="5077221"/>
-              <a:ext cx="234390" cy="43881"/>
+              <a:off x="6876099" y="5080828"/>
+              <a:ext cx="221523" cy="41473"/>
             </a:xfrm>
             <a:prstGeom prst="rect">
               <a:avLst/>
@@ -9879,7 +9870,7 @@
             <a:p>
               <a:pPr algn="l" marL="0" marR="0" indent="0">
                 <a:lnSpc>
-                  <a:spcPts val="474"/>
+                  <a:spcPts val="448"/>
                 </a:lnSpc>
                 <a:spcBef>
                   <a:spcPts val="0"/>
@@ -9889,7 +9880,7 @@
                 </a:spcAft>
               </a:pPr>
               <a:r>
-                <a:rPr sz="474" b="1">
+                <a:rPr sz="448" b="1">
                   <a:solidFill>
                     <a:srgbClr val="000000">
                       <a:alpha val="100000"/>
@@ -9911,8 +9902,8 @@
           </p:nvSpPr>
           <p:spPr>
             <a:xfrm>
-              <a:off x="6831140" y="5163252"/>
-              <a:ext cx="311441" cy="44647"/>
+              <a:off x="6839688" y="5162137"/>
+              <a:ext cx="294344" cy="42196"/>
             </a:xfrm>
             <a:prstGeom prst="rect">
               <a:avLst/>
@@ -9925,7 +9916,7 @@
             <a:p>
               <a:pPr algn="l" marL="0" marR="0" indent="0">
                 <a:lnSpc>
-                  <a:spcPts val="474"/>
+                  <a:spcPts val="448"/>
                 </a:lnSpc>
                 <a:spcBef>
                   <a:spcPts val="0"/>
@@ -9935,7 +9926,7 @@
                 </a:spcAft>
               </a:pPr>
               <a:r>
-                <a:rPr sz="474" b="1">
+                <a:rPr sz="448" b="1">
                   <a:solidFill>
                     <a:srgbClr val="000000">
                       <a:alpha val="100000"/>
@@ -9957,8 +9948,8 @@
           </p:nvSpPr>
           <p:spPr>
             <a:xfrm>
-              <a:off x="8245645" y="5798187"/>
-              <a:ext cx="115041" cy="19403"/>
+              <a:off x="8234492" y="5796244"/>
+              <a:ext cx="137347" cy="23166"/>
             </a:xfrm>
             <a:prstGeom prst="rect">
               <a:avLst/>
@@ -9971,7 +9962,7 @@
             <a:p>
               <a:pPr algn="l" marL="0" marR="0" indent="0">
                 <a:lnSpc>
-                  <a:spcPts val="206"/>
+                  <a:spcPts val="246"/>
                 </a:lnSpc>
                 <a:spcBef>
                   <a:spcPts val="0"/>
@@ -9994,8 +9985,8 @@
           </p:nvSpPr>
           <p:spPr>
             <a:xfrm>
-              <a:off x="8244545" y="5912153"/>
-              <a:ext cx="117239" cy="17165"/>
+              <a:off x="8233607" y="5910499"/>
+              <a:ext cx="139116" cy="20368"/>
             </a:xfrm>
             <a:prstGeom prst="rect">
               <a:avLst/>
@@ -10008,7 +9999,7 @@
             <a:p>
               <a:pPr algn="l" marL="0" marR="0" indent="0">
                 <a:lnSpc>
-                  <a:spcPts val="182"/>
+                  <a:spcPts val="216"/>
                 </a:lnSpc>
                 <a:spcBef>
                   <a:spcPts val="0"/>
@@ -10077,8 +10068,8 @@
           </p:nvSpPr>
           <p:spPr>
             <a:xfrm>
-              <a:off x="7669432" y="5878863"/>
-              <a:ext cx="162201" cy="27015"/>
+              <a:off x="7655474" y="5876462"/>
+              <a:ext cx="190117" cy="31665"/>
             </a:xfrm>
             <a:prstGeom prst="rect">
               <a:avLst/>
@@ -10091,7 +10082,7 @@
             <a:p>
               <a:pPr algn="l" marL="0" marR="0" indent="0">
                 <a:lnSpc>
-                  <a:spcPts val="287"/>
+                  <a:spcPts val="336"/>
                 </a:lnSpc>
                 <a:spcBef>
                   <a:spcPts val="0"/>
@@ -10114,8 +10105,8 @@
           </p:nvSpPr>
           <p:spPr>
             <a:xfrm>
-              <a:off x="7174198" y="5333556"/>
-              <a:ext cx="263180" cy="41864"/>
+              <a:off x="7159892" y="5331280"/>
+              <a:ext cx="291792" cy="46415"/>
             </a:xfrm>
             <a:prstGeom prst="rect">
               <a:avLst/>
@@ -10128,7 +10119,7 @@
             <a:p>
               <a:pPr algn="l" marL="0" marR="0" indent="0">
                 <a:lnSpc>
-                  <a:spcPts val="460"/>
+                  <a:spcPts val="510"/>
                 </a:lnSpc>
                 <a:spcBef>
                   <a:spcPts val="0"/>
@@ -10138,7 +10129,7 @@
                 </a:spcAft>
               </a:pPr>
               <a:r>
-                <a:rPr sz="460" b="1">
+                <a:rPr sz="510" b="1">
                   <a:solidFill>
                     <a:srgbClr val="000000">
                       <a:alpha val="100000"/>
@@ -10160,8 +10151,8 @@
           </p:nvSpPr>
           <p:spPr>
             <a:xfrm>
-              <a:off x="7482247" y="4690792"/>
-              <a:ext cx="334390" cy="68596"/>
+              <a:off x="7479323" y="4690172"/>
+              <a:ext cx="340239" cy="69796"/>
             </a:xfrm>
             <a:prstGeom prst="rect">
               <a:avLst/>
@@ -10174,7 +10165,7 @@
             <a:p>
               <a:pPr algn="l" marL="0" marR="0" indent="0">
                 <a:lnSpc>
-                  <a:spcPts val="729"/>
+                  <a:spcPts val="741"/>
                 </a:lnSpc>
                 <a:spcBef>
                   <a:spcPts val="0"/>
@@ -10184,7 +10175,7 @@
                 </a:spcAft>
               </a:pPr>
               <a:r>
-                <a:rPr sz="729" b="1">
+                <a:rPr sz="741" b="1">
                   <a:solidFill>
                     <a:srgbClr val="000000">
                       <a:alpha val="100000"/>

--- a/_book/plot/china-output-by-country-1.pptx
+++ b/_book/plot/china-output-by-country-1.pptx
@@ -3108,10 +3108,10 @@
         </p:nvGrpSpPr>
         <p:grpSpPr>
           <a:xfrm>
-            <a:off x="2148682" y="1495425"/>
-            <a:ext cx="6400800" cy="4572000"/>
-            <a:chOff x="2148682" y="1495425"/>
-            <a:chExt cx="6400800" cy="4572000"/>
+            <a:off x="1691482" y="1521028"/>
+            <a:ext cx="7315200" cy="4520794"/>
+            <a:chOff x="1691482" y="1521028"/>
+            <a:chExt cx="7315200" cy="4520794"/>
           </a:xfrm>
         </p:grpSpPr>
         <p:sp>
@@ -3122,8 +3122,8 @@
           </p:nvSpPr>
           <p:spPr>
             <a:xfrm>
-              <a:off x="2148681" y="1495425"/>
-              <a:ext cx="6400799" cy="4571999"/>
+              <a:off x="1691481" y="1521028"/>
+              <a:ext cx="7315199" cy="4520793"/>
             </a:xfrm>
             <a:prstGeom prst="rect">
               <a:avLst/>
@@ -3157,7 +3157,7 @@
           </p:nvSpPr>
           <p:spPr>
             <a:xfrm>
-              <a:off x="4583143" y="1677467"/>
+              <a:off x="4583143" y="1703070"/>
               <a:ext cx="1531875" cy="131613"/>
             </a:xfrm>
             <a:prstGeom prst="rect">
@@ -3203,8 +3203,8 @@
           </p:nvSpPr>
           <p:spPr>
             <a:xfrm>
-              <a:off x="7662112" y="5131347"/>
-              <a:ext cx="176842" cy="169215"/>
+              <a:off x="7953346" y="5342705"/>
+              <a:ext cx="223411" cy="152279"/>
             </a:xfrm>
             <a:prstGeom prst="rect">
               <a:avLst/>
@@ -3238,8 +3238,8 @@
           </p:nvSpPr>
           <p:spPr>
             <a:xfrm>
-              <a:off x="7161675" y="5769779"/>
-              <a:ext cx="288226" cy="207645"/>
+              <a:off x="7699285" y="4880555"/>
+              <a:ext cx="254060" cy="267816"/>
             </a:xfrm>
             <a:prstGeom prst="rect">
               <a:avLst/>
@@ -3273,8 +3273,8 @@
           </p:nvSpPr>
           <p:spPr>
             <a:xfrm>
-              <a:off x="3514866" y="4425935"/>
-              <a:ext cx="1485142" cy="805968"/>
+              <a:off x="3545383" y="4701878"/>
+              <a:ext cx="1088716" cy="1249943"/>
             </a:xfrm>
             <a:prstGeom prst="rect">
               <a:avLst/>
@@ -3308,8 +3308,8 @@
           </p:nvSpPr>
           <p:spPr>
             <a:xfrm>
-              <a:off x="7449901" y="4887286"/>
-              <a:ext cx="245221" cy="244060"/>
+              <a:off x="7699285" y="5148372"/>
+              <a:ext cx="254060" cy="267816"/>
             </a:xfrm>
             <a:prstGeom prst="rect">
               <a:avLst/>
@@ -3343,8 +3343,8 @@
           </p:nvSpPr>
           <p:spPr>
             <a:xfrm>
-              <a:off x="7838954" y="5300563"/>
-              <a:ext cx="132631" cy="112810"/>
+              <a:off x="8176758" y="5323670"/>
+              <a:ext cx="135400" cy="125630"/>
             </a:xfrm>
             <a:prstGeom prst="rect">
               <a:avLst/>
@@ -3378,8 +3378,8 @@
           </p:nvSpPr>
           <p:spPr>
             <a:xfrm>
-              <a:off x="7812032" y="4565200"/>
-              <a:ext cx="278724" cy="322086"/>
+              <a:off x="7375459" y="5636644"/>
+              <a:ext cx="323826" cy="315176"/>
             </a:xfrm>
             <a:prstGeom prst="rect">
               <a:avLst/>
@@ -3413,8 +3413,8 @@
           </p:nvSpPr>
           <p:spPr>
             <a:xfrm>
-              <a:off x="5747193" y="4634224"/>
-              <a:ext cx="634936" cy="447733"/>
+              <a:off x="5831376" y="4851492"/>
+              <a:ext cx="587456" cy="550164"/>
             </a:xfrm>
             <a:prstGeom prst="rect">
               <a:avLst/>
@@ -3448,8 +3448,8 @@
           </p:nvSpPr>
           <p:spPr>
             <a:xfrm>
-              <a:off x="6382130" y="5559793"/>
-              <a:ext cx="429916" cy="417631"/>
+              <a:off x="6941017" y="4111553"/>
+              <a:ext cx="434442" cy="469855"/>
             </a:xfrm>
             <a:prstGeom prst="rect">
               <a:avLst/>
@@ -3483,8 +3483,8 @@
           </p:nvSpPr>
           <p:spPr>
             <a:xfrm>
-              <a:off x="7971586" y="5300563"/>
-              <a:ext cx="132631" cy="112810"/>
+              <a:off x="8176758" y="5449300"/>
+              <a:ext cx="135400" cy="125630"/>
             </a:xfrm>
             <a:prstGeom prst="rect">
               <a:avLst/>
@@ -3518,8 +3518,8 @@
           </p:nvSpPr>
           <p:spPr>
             <a:xfrm>
-              <a:off x="8104218" y="5300563"/>
-              <a:ext cx="132631" cy="112810"/>
+              <a:off x="8176758" y="5574930"/>
+              <a:ext cx="135400" cy="125630"/>
             </a:xfrm>
             <a:prstGeom prst="rect">
               <a:avLst/>
@@ -3553,8 +3553,8 @@
           </p:nvSpPr>
           <p:spPr>
             <a:xfrm>
-              <a:off x="8185565" y="4887286"/>
-              <a:ext cx="183915" cy="244060"/>
+              <a:off x="7953346" y="4880555"/>
+              <a:ext cx="218333" cy="233730"/>
             </a:xfrm>
             <a:prstGeom prst="rect">
               <a:avLst/>
@@ -3588,8 +3588,8 @@
           </p:nvSpPr>
           <p:spPr>
             <a:xfrm>
-              <a:off x="2328681" y="4425935"/>
-              <a:ext cx="1186184" cy="1551489"/>
+              <a:off x="1871481" y="4701878"/>
+              <a:ext cx="1673902" cy="1249943"/>
             </a:xfrm>
             <a:prstGeom prst="rect">
               <a:avLst/>
@@ -3623,8 +3623,8 @@
           </p:nvSpPr>
           <p:spPr>
             <a:xfrm>
-              <a:off x="7695123" y="4887286"/>
-              <a:ext cx="245221" cy="244060"/>
+              <a:off x="7699285" y="5416188"/>
+              <a:ext cx="254060" cy="267816"/>
             </a:xfrm>
             <a:prstGeom prst="rect">
               <a:avLst/>
@@ -3658,8 +3658,8 @@
           </p:nvSpPr>
           <p:spPr>
             <a:xfrm>
-              <a:off x="8236849" y="5300563"/>
-              <a:ext cx="132631" cy="112810"/>
+              <a:off x="8176758" y="5700561"/>
+              <a:ext cx="135400" cy="125630"/>
             </a:xfrm>
             <a:prstGeom prst="rect">
               <a:avLst/>
@@ -3693,8 +3693,8 @@
           </p:nvSpPr>
           <p:spPr>
             <a:xfrm>
-              <a:off x="7838954" y="5413373"/>
-              <a:ext cx="132631" cy="112810"/>
+              <a:off x="8176758" y="5826191"/>
+              <a:ext cx="135400" cy="125630"/>
             </a:xfrm>
             <a:prstGeom prst="rect">
               <a:avLst/>
@@ -3728,8 +3728,8 @@
           </p:nvSpPr>
           <p:spPr>
             <a:xfrm>
-              <a:off x="7971586" y="5413373"/>
-              <a:ext cx="132631" cy="112810"/>
+              <a:off x="8312158" y="5323670"/>
+              <a:ext cx="128630" cy="132242"/>
             </a:xfrm>
             <a:prstGeom prst="rect">
               <a:avLst/>
@@ -3763,8 +3763,8 @@
           </p:nvSpPr>
           <p:spPr>
             <a:xfrm>
-              <a:off x="7449901" y="5131347"/>
-              <a:ext cx="212210" cy="211519"/>
+              <a:off x="8171680" y="4880555"/>
+              <a:ext cx="218333" cy="233730"/>
             </a:xfrm>
             <a:prstGeom prst="rect">
               <a:avLst/>
@@ -3798,8 +3798,8 @@
           </p:nvSpPr>
           <p:spPr>
             <a:xfrm>
-              <a:off x="6382130" y="3620933"/>
-              <a:ext cx="526063" cy="511953"/>
+              <a:off x="6418833" y="4225317"/>
+              <a:ext cx="522183" cy="586359"/>
             </a:xfrm>
             <a:prstGeom prst="rect">
               <a:avLst/>
@@ -3833,8 +3833,8 @@
           </p:nvSpPr>
           <p:spPr>
             <a:xfrm>
-              <a:off x="6944325" y="2833534"/>
-              <a:ext cx="513056" cy="787399"/>
+              <a:off x="7198798" y="2822675"/>
+              <a:ext cx="586037" cy="783706"/>
             </a:xfrm>
             <a:prstGeom prst="rect">
               <a:avLst/>
@@ -3868,8 +3868,8 @@
           </p:nvSpPr>
           <p:spPr>
             <a:xfrm>
-              <a:off x="3514866" y="5231904"/>
-              <a:ext cx="1485142" cy="745520"/>
+              <a:off x="4634100" y="1931068"/>
+              <a:ext cx="1197275" cy="1051363"/>
             </a:xfrm>
             <a:prstGeom prst="rect">
               <a:avLst/>
@@ -3903,8 +3903,8 @@
           </p:nvSpPr>
           <p:spPr>
             <a:xfrm>
-              <a:off x="8104218" y="5413373"/>
-              <a:ext cx="132631" cy="112810"/>
+              <a:off x="8440789" y="5323670"/>
+              <a:ext cx="128630" cy="132242"/>
             </a:xfrm>
             <a:prstGeom prst="rect">
               <a:avLst/>
@@ -3938,8 +3938,8 @@
           </p:nvSpPr>
           <p:spPr>
             <a:xfrm>
-              <a:off x="7449901" y="5342866"/>
-              <a:ext cx="212210" cy="211519"/>
+              <a:off x="8390014" y="4880555"/>
+              <a:ext cx="218333" cy="233730"/>
             </a:xfrm>
             <a:prstGeom prst="rect">
               <a:avLst/>
@@ -3973,8 +3973,8 @@
           </p:nvSpPr>
           <p:spPr>
             <a:xfrm>
-              <a:off x="5747193" y="2833534"/>
-              <a:ext cx="665072" cy="787399"/>
+              <a:off x="5831376" y="2822675"/>
+              <a:ext cx="759678" cy="783706"/>
             </a:xfrm>
             <a:prstGeom prst="rect">
               <a:avLst/>
@@ -4008,8 +4008,8 @@
           </p:nvSpPr>
           <p:spPr>
             <a:xfrm>
-              <a:off x="6966877" y="1905465"/>
-              <a:ext cx="725484" cy="928069"/>
+              <a:off x="4634100" y="4715759"/>
+              <a:ext cx="1197275" cy="639342"/>
             </a:xfrm>
             <a:prstGeom prst="rect">
               <a:avLst/>
@@ -4043,8 +4043,8 @@
           </p:nvSpPr>
           <p:spPr>
             <a:xfrm>
-              <a:off x="5000008" y="4455541"/>
-              <a:ext cx="747185" cy="760941"/>
+              <a:off x="7376724" y="1931068"/>
+              <a:ext cx="724978" cy="891607"/>
             </a:xfrm>
             <a:prstGeom prst="rect">
               <a:avLst/>
@@ -4078,8 +4078,8 @@
           </p:nvSpPr>
           <p:spPr>
             <a:xfrm>
-              <a:off x="6812047" y="4132886"/>
-              <a:ext cx="415315" cy="432313"/>
+              <a:off x="6941017" y="4581409"/>
+              <a:ext cx="434442" cy="469855"/>
             </a:xfrm>
             <a:prstGeom prst="rect">
               <a:avLst/>
@@ -4113,8 +4113,8 @@
           </p:nvSpPr>
           <p:spPr>
             <a:xfrm>
-              <a:off x="7838954" y="5131347"/>
-              <a:ext cx="176842" cy="169215"/>
+              <a:off x="7953346" y="5494984"/>
+              <a:ext cx="223411" cy="152279"/>
             </a:xfrm>
             <a:prstGeom prst="rect">
               <a:avLst/>
@@ -4148,8 +4148,8 @@
           </p:nvSpPr>
           <p:spPr>
             <a:xfrm>
-              <a:off x="6812047" y="5677862"/>
-              <a:ext cx="349628" cy="299562"/>
+              <a:off x="7375459" y="4533526"/>
+              <a:ext cx="323826" cy="367706"/>
             </a:xfrm>
             <a:prstGeom prst="rect">
               <a:avLst/>
@@ -4183,8 +4183,8 @@
           </p:nvSpPr>
           <p:spPr>
             <a:xfrm>
-              <a:off x="8015796" y="5131347"/>
-              <a:ext cx="176842" cy="169215"/>
+              <a:off x="7953346" y="5647263"/>
+              <a:ext cx="223411" cy="152279"/>
             </a:xfrm>
             <a:prstGeom prst="rect">
               <a:avLst/>
@@ -4218,8 +4218,8 @@
           </p:nvSpPr>
           <p:spPr>
             <a:xfrm>
-              <a:off x="7692362" y="1905464"/>
-              <a:ext cx="677118" cy="928069"/>
+              <a:off x="4634100" y="5355102"/>
+              <a:ext cx="1197275" cy="596719"/>
             </a:xfrm>
             <a:prstGeom prst="rect">
               <a:avLst/>
@@ -4253,8 +4253,8 @@
           </p:nvSpPr>
           <p:spPr>
             <a:xfrm>
-              <a:off x="6382130" y="5107359"/>
-              <a:ext cx="429916" cy="452433"/>
+              <a:off x="8388938" y="3606382"/>
+              <a:ext cx="437743" cy="505171"/>
             </a:xfrm>
             <a:prstGeom prst="rect">
               <a:avLst/>
@@ -4288,8 +4288,8 @@
           </p:nvSpPr>
           <p:spPr>
             <a:xfrm>
-              <a:off x="7931095" y="3620933"/>
-              <a:ext cx="438386" cy="511953"/>
+              <a:off x="6941017" y="3606382"/>
+              <a:ext cx="505088" cy="505171"/>
             </a:xfrm>
             <a:prstGeom prst="rect">
               <a:avLst/>
@@ -4323,8 +4323,8 @@
           </p:nvSpPr>
           <p:spPr>
             <a:xfrm>
-              <a:off x="7457381" y="2833534"/>
-              <a:ext cx="456050" cy="787399"/>
+              <a:off x="7784836" y="2822675"/>
+              <a:ext cx="520922" cy="783706"/>
             </a:xfrm>
             <a:prstGeom prst="rect">
               <a:avLst/>
@@ -4358,8 +4358,8 @@
           </p:nvSpPr>
           <p:spPr>
             <a:xfrm>
-              <a:off x="8192639" y="5131347"/>
-              <a:ext cx="176842" cy="169215"/>
+              <a:off x="7953346" y="5799542"/>
+              <a:ext cx="223411" cy="152279"/>
             </a:xfrm>
             <a:prstGeom prst="rect">
               <a:avLst/>
@@ -4393,8 +4393,8 @@
           </p:nvSpPr>
           <p:spPr>
             <a:xfrm>
-              <a:off x="6412266" y="2833534"/>
-              <a:ext cx="532058" cy="787399"/>
+              <a:off x="6591055" y="2822675"/>
+              <a:ext cx="607743" cy="783706"/>
             </a:xfrm>
             <a:prstGeom prst="rect">
               <a:avLst/>
@@ -4428,8 +4428,8 @@
           </p:nvSpPr>
           <p:spPr>
             <a:xfrm>
-              <a:off x="5000008" y="2833534"/>
-              <a:ext cx="747185" cy="841040"/>
+              <a:off x="5831376" y="1931068"/>
+              <a:ext cx="801291" cy="891607"/>
             </a:xfrm>
             <a:prstGeom prst="rect">
               <a:avLst/>
@@ -4463,8 +4463,8 @@
           </p:nvSpPr>
           <p:spPr>
             <a:xfrm>
-              <a:off x="7662112" y="5300563"/>
-              <a:ext cx="176842" cy="169215"/>
+              <a:off x="8176758" y="5114286"/>
+              <a:ext cx="162480" cy="209383"/>
             </a:xfrm>
             <a:prstGeom prst="rect">
               <a:avLst/>
@@ -4498,8 +4498,8 @@
           </p:nvSpPr>
           <p:spPr>
             <a:xfrm>
-              <a:off x="8090756" y="4565200"/>
-              <a:ext cx="278724" cy="322086"/>
+              <a:off x="7699285" y="4533526"/>
+              <a:ext cx="294103" cy="347029"/>
             </a:xfrm>
             <a:prstGeom prst="rect">
               <a:avLst/>
@@ -4533,8 +4533,8 @@
           </p:nvSpPr>
           <p:spPr>
             <a:xfrm>
-              <a:off x="8236849" y="5413373"/>
-              <a:ext cx="132631" cy="112810"/>
+              <a:off x="8569420" y="5323670"/>
+              <a:ext cx="128630" cy="132242"/>
             </a:xfrm>
             <a:prstGeom prst="rect">
               <a:avLst/>
@@ -4568,8 +4568,8 @@
           </p:nvSpPr>
           <p:spPr>
             <a:xfrm>
-              <a:off x="7838954" y="5526183"/>
-              <a:ext cx="132631" cy="112810"/>
+              <a:off x="8698050" y="5323670"/>
+              <a:ext cx="128630" cy="132242"/>
             </a:xfrm>
             <a:prstGeom prst="rect">
               <a:avLst/>
@@ -4603,8 +4603,8 @@
           </p:nvSpPr>
           <p:spPr>
             <a:xfrm>
-              <a:off x="7838954" y="5638994"/>
-              <a:ext cx="132631" cy="112810"/>
+              <a:off x="8312158" y="5455912"/>
+              <a:ext cx="137206" cy="123977"/>
             </a:xfrm>
             <a:prstGeom prst="rect">
               <a:avLst/>
@@ -4638,8 +4638,8 @@
           </p:nvSpPr>
           <p:spPr>
             <a:xfrm>
-              <a:off x="5747193" y="3620933"/>
-              <a:ext cx="634936" cy="518428"/>
+              <a:off x="5831376" y="3606382"/>
+              <a:ext cx="587456" cy="637032"/>
             </a:xfrm>
             <a:prstGeom prst="rect">
               <a:avLst/>
@@ -4673,8 +4673,8 @@
           </p:nvSpPr>
           <p:spPr>
             <a:xfrm>
-              <a:off x="7838954" y="5751804"/>
-              <a:ext cx="132631" cy="112810"/>
+              <a:off x="8312158" y="5579890"/>
+              <a:ext cx="137206" cy="123977"/>
             </a:xfrm>
             <a:prstGeom prst="rect">
               <a:avLst/>
@@ -4708,8 +4708,8 @@
           </p:nvSpPr>
           <p:spPr>
             <a:xfrm>
-              <a:off x="6382130" y="4132886"/>
-              <a:ext cx="429916" cy="487236"/>
+              <a:off x="7446105" y="3606382"/>
+              <a:ext cx="471416" cy="505171"/>
             </a:xfrm>
             <a:prstGeom prst="rect">
               <a:avLst/>
@@ -4743,8 +4743,8 @@
           </p:nvSpPr>
           <p:spPr>
             <a:xfrm>
-              <a:off x="7838954" y="5864614"/>
-              <a:ext cx="132631" cy="112810"/>
+              <a:off x="8312158" y="5703867"/>
+              <a:ext cx="137206" cy="123977"/>
             </a:xfrm>
             <a:prstGeom prst="rect">
               <a:avLst/>
@@ -4778,8 +4778,8 @@
           </p:nvSpPr>
           <p:spPr>
             <a:xfrm>
-              <a:off x="7940344" y="4887286"/>
-              <a:ext cx="245221" cy="244060"/>
+              <a:off x="7699285" y="5684005"/>
+              <a:ext cx="254060" cy="267816"/>
             </a:xfrm>
             <a:prstGeom prst="rect">
               <a:avLst/>
@@ -4813,8 +4813,8 @@
           </p:nvSpPr>
           <p:spPr>
             <a:xfrm>
-              <a:off x="7971586" y="5526183"/>
-              <a:ext cx="132631" cy="112810"/>
+              <a:off x="8312158" y="5827844"/>
+              <a:ext cx="137206" cy="123977"/>
             </a:xfrm>
             <a:prstGeom prst="rect">
               <a:avLst/>
@@ -4848,8 +4848,8 @@
           </p:nvSpPr>
           <p:spPr>
             <a:xfrm>
-              <a:off x="8104218" y="5526183"/>
-              <a:ext cx="132631" cy="112810"/>
+              <a:off x="8449364" y="5455912"/>
+              <a:ext cx="125772" cy="135247"/>
             </a:xfrm>
             <a:prstGeom prst="rect">
               <a:avLst/>
@@ -4883,8 +4883,8 @@
           </p:nvSpPr>
           <p:spPr>
             <a:xfrm>
-              <a:off x="5000008" y="3674575"/>
-              <a:ext cx="747185" cy="780966"/>
+              <a:off x="6632668" y="1931068"/>
+              <a:ext cx="744056" cy="891607"/>
             </a:xfrm>
             <a:prstGeom prst="rect">
               <a:avLst/>
@@ -4918,8 +4918,8 @@
           </p:nvSpPr>
           <p:spPr>
             <a:xfrm>
-              <a:off x="6382130" y="4620123"/>
-              <a:ext cx="429916" cy="487236"/>
+              <a:off x="7917521" y="3606382"/>
+              <a:ext cx="471416" cy="505171"/>
             </a:xfrm>
             <a:prstGeom prst="rect">
               <a:avLst/>
@@ -4953,8 +4953,8 @@
           </p:nvSpPr>
           <p:spPr>
             <a:xfrm>
-              <a:off x="8236849" y="5526183"/>
-              <a:ext cx="132631" cy="112810"/>
+              <a:off x="8575137" y="5455912"/>
+              <a:ext cx="125772" cy="135247"/>
             </a:xfrm>
             <a:prstGeom prst="rect">
               <a:avLst/>
@@ -4988,8 +4988,8 @@
           </p:nvSpPr>
           <p:spPr>
             <a:xfrm>
-              <a:off x="5747193" y="5081958"/>
-              <a:ext cx="634936" cy="447733"/>
+              <a:off x="5831376" y="5401656"/>
+              <a:ext cx="587456" cy="550164"/>
             </a:xfrm>
             <a:prstGeom prst="rect">
               <a:avLst/>
@@ -5023,8 +5023,8 @@
           </p:nvSpPr>
           <p:spPr>
             <a:xfrm>
-              <a:off x="7662112" y="5469778"/>
-              <a:ext cx="176842" cy="169215"/>
+              <a:off x="8339238" y="5114286"/>
+              <a:ext cx="162480" cy="209383"/>
             </a:xfrm>
             <a:prstGeom prst="rect">
               <a:avLst/>
@@ -5058,8 +5058,8 @@
           </p:nvSpPr>
           <p:spPr>
             <a:xfrm>
-              <a:off x="5747193" y="4139361"/>
-              <a:ext cx="634936" cy="494863"/>
+              <a:off x="5831376" y="4243415"/>
+              <a:ext cx="587456" cy="608076"/>
             </a:xfrm>
             <a:prstGeom prst="rect">
               <a:avLst/>
@@ -5093,8 +5093,8 @@
           </p:nvSpPr>
           <p:spPr>
             <a:xfrm>
-              <a:off x="5000008" y="1905465"/>
-              <a:ext cx="1015678" cy="928069"/>
+              <a:off x="4634100" y="2982431"/>
+              <a:ext cx="1197275" cy="895079"/>
             </a:xfrm>
             <a:prstGeom prst="rect">
               <a:avLst/>
@@ -5128,8 +5128,8 @@
           </p:nvSpPr>
           <p:spPr>
             <a:xfrm>
-              <a:off x="7161675" y="4887286"/>
-              <a:ext cx="288226" cy="311468"/>
+              <a:off x="7993389" y="4533526"/>
+              <a:ext cx="294103" cy="347029"/>
             </a:xfrm>
             <a:prstGeom prst="rect">
               <a:avLst/>
@@ -5163,8 +5163,8 @@
           </p:nvSpPr>
           <p:spPr>
             <a:xfrm>
-              <a:off x="7434257" y="3620933"/>
-              <a:ext cx="496837" cy="511953"/>
+              <a:off x="6418833" y="5398037"/>
+              <a:ext cx="522183" cy="553784"/>
             </a:xfrm>
             <a:prstGeom prst="rect">
               <a:avLst/>
@@ -5198,8 +5198,8 @@
           </p:nvSpPr>
           <p:spPr>
             <a:xfrm>
-              <a:off x="7227362" y="4132886"/>
-              <a:ext cx="415315" cy="432313"/>
+              <a:off x="6941017" y="5051265"/>
+              <a:ext cx="434442" cy="469855"/>
             </a:xfrm>
             <a:prstGeom prst="rect">
               <a:avLst/>
@@ -5233,8 +5233,8 @@
           </p:nvSpPr>
           <p:spPr>
             <a:xfrm>
-              <a:off x="7449901" y="5554386"/>
-              <a:ext cx="212210" cy="211519"/>
+              <a:off x="8608347" y="4880555"/>
+              <a:ext cx="218333" cy="233730"/>
             </a:xfrm>
             <a:prstGeom prst="rect">
               <a:avLst/>
@@ -5268,8 +5268,8 @@
           </p:nvSpPr>
           <p:spPr>
             <a:xfrm>
-              <a:off x="7971586" y="5638994"/>
-              <a:ext cx="132631" cy="112810"/>
+              <a:off x="8700909" y="5455912"/>
+              <a:ext cx="125772" cy="135247"/>
             </a:xfrm>
             <a:prstGeom prst="rect">
               <a:avLst/>
@@ -5303,8 +5303,8 @@
           </p:nvSpPr>
           <p:spPr>
             <a:xfrm>
-              <a:off x="7449901" y="5765905"/>
-              <a:ext cx="212210" cy="211519"/>
+              <a:off x="7953346" y="5114286"/>
+              <a:ext cx="223411" cy="228418"/>
             </a:xfrm>
             <a:prstGeom prst="rect">
               <a:avLst/>
@@ -5338,8 +5338,8 @@
           </p:nvSpPr>
           <p:spPr>
             <a:xfrm>
-              <a:off x="6812047" y="4565200"/>
-              <a:ext cx="349628" cy="385152"/>
+              <a:off x="7778576" y="4111553"/>
+              <a:ext cx="362805" cy="421972"/>
             </a:xfrm>
             <a:prstGeom prst="rect">
               <a:avLst/>
@@ -5373,8 +5373,8 @@
           </p:nvSpPr>
           <p:spPr>
             <a:xfrm>
-              <a:off x="7662112" y="5638994"/>
-              <a:ext cx="176842" cy="169215"/>
+              <a:off x="8501719" y="5114286"/>
+              <a:ext cx="162480" cy="209383"/>
             </a:xfrm>
             <a:prstGeom prst="rect">
               <a:avLst/>
@@ -5408,8 +5408,8 @@
           </p:nvSpPr>
           <p:spPr>
             <a:xfrm>
-              <a:off x="5747193" y="5529691"/>
-              <a:ext cx="634936" cy="447733"/>
+              <a:off x="6418833" y="3606382"/>
+              <a:ext cx="522183" cy="618935"/>
             </a:xfrm>
             <a:prstGeom prst="rect">
               <a:avLst/>
@@ -5443,8 +5443,8 @@
           </p:nvSpPr>
           <p:spPr>
             <a:xfrm>
-              <a:off x="8023384" y="4132886"/>
-              <a:ext cx="346096" cy="432313"/>
+              <a:off x="7375459" y="4111553"/>
+              <a:ext cx="403117" cy="421972"/>
             </a:xfrm>
             <a:prstGeom prst="rect">
               <a:avLst/>
@@ -5478,8 +5478,8 @@
           </p:nvSpPr>
           <p:spPr>
             <a:xfrm>
-              <a:off x="5000008" y="5216483"/>
-              <a:ext cx="747185" cy="760941"/>
+              <a:off x="8101703" y="1931068"/>
+              <a:ext cx="724978" cy="891607"/>
             </a:xfrm>
             <a:prstGeom prst="rect">
               <a:avLst/>
@@ -5513,8 +5513,8 @@
           </p:nvSpPr>
           <p:spPr>
             <a:xfrm>
-              <a:off x="7971586" y="5751804"/>
-              <a:ext cx="132631" cy="112810"/>
+              <a:off x="8449364" y="5591160"/>
+              <a:ext cx="141493" cy="120220"/>
             </a:xfrm>
             <a:prstGeom prst="rect">
               <a:avLst/>
@@ -5548,8 +5548,8 @@
           </p:nvSpPr>
           <p:spPr>
             <a:xfrm>
-              <a:off x="7971586" y="5864614"/>
-              <a:ext cx="132631" cy="112810"/>
+              <a:off x="8449364" y="5711381"/>
+              <a:ext cx="141493" cy="120220"/>
             </a:xfrm>
             <a:prstGeom prst="rect">
               <a:avLst/>
@@ -5583,8 +5583,8 @@
           </p:nvSpPr>
           <p:spPr>
             <a:xfrm>
-              <a:off x="6015686" y="1905465"/>
-              <a:ext cx="951190" cy="928069"/>
+              <a:off x="4634100" y="3877510"/>
+              <a:ext cx="1197275" cy="838248"/>
             </a:xfrm>
             <a:prstGeom prst="rect">
               <a:avLst/>
@@ -5618,8 +5618,8 @@
           </p:nvSpPr>
           <p:spPr>
             <a:xfrm>
-              <a:off x="7913431" y="2833534"/>
-              <a:ext cx="456050" cy="787399"/>
+              <a:off x="8305758" y="2822675"/>
+              <a:ext cx="520922" cy="783706"/>
             </a:xfrm>
             <a:prstGeom prst="rect">
               <a:avLst/>
@@ -5653,8 +5653,8 @@
           </p:nvSpPr>
           <p:spPr>
             <a:xfrm>
-              <a:off x="8104218" y="5638994"/>
-              <a:ext cx="132631" cy="112810"/>
+              <a:off x="8449364" y="5831601"/>
+              <a:ext cx="141493" cy="120220"/>
             </a:xfrm>
             <a:prstGeom prst="rect">
               <a:avLst/>
@@ -5688,8 +5688,8 @@
           </p:nvSpPr>
           <p:spPr>
             <a:xfrm>
-              <a:off x="7161675" y="5510222"/>
-              <a:ext cx="288226" cy="259556"/>
+              <a:off x="8581595" y="4533526"/>
+              <a:ext cx="245085" cy="347029"/>
             </a:xfrm>
             <a:prstGeom prst="rect">
               <a:avLst/>
@@ -5723,8 +5723,8 @@
           </p:nvSpPr>
           <p:spPr>
             <a:xfrm>
-              <a:off x="8236849" y="5638994"/>
-              <a:ext cx="132631" cy="112810"/>
+              <a:off x="8590858" y="5591160"/>
+              <a:ext cx="117911" cy="144264"/>
             </a:xfrm>
             <a:prstGeom prst="rect">
               <a:avLst/>
@@ -5758,8 +5758,8 @@
           </p:nvSpPr>
           <p:spPr>
             <a:xfrm>
-              <a:off x="6908193" y="3620933"/>
-              <a:ext cx="526063" cy="511953"/>
+              <a:off x="6418833" y="4811677"/>
+              <a:ext cx="522183" cy="586359"/>
             </a:xfrm>
             <a:prstGeom prst="rect">
               <a:avLst/>
@@ -5793,8 +5793,8 @@
           </p:nvSpPr>
           <p:spPr>
             <a:xfrm>
-              <a:off x="7642678" y="4132886"/>
-              <a:ext cx="380706" cy="432313"/>
+              <a:off x="6941017" y="5521120"/>
+              <a:ext cx="434442" cy="430701"/>
             </a:xfrm>
             <a:prstGeom prst="rect">
               <a:avLst/>
@@ -5828,8 +5828,8 @@
           </p:nvSpPr>
           <p:spPr>
             <a:xfrm>
-              <a:off x="8104218" y="5751804"/>
-              <a:ext cx="132631" cy="112810"/>
+              <a:off x="8708770" y="5591160"/>
+              <a:ext cx="117911" cy="144264"/>
             </a:xfrm>
             <a:prstGeom prst="rect">
               <a:avLst/>
@@ -5863,8 +5863,8 @@
           </p:nvSpPr>
           <p:spPr>
             <a:xfrm>
-              <a:off x="6812047" y="5335504"/>
-              <a:ext cx="349628" cy="342357"/>
+              <a:off x="8504187" y="4111553"/>
+              <a:ext cx="322493" cy="421972"/>
             </a:xfrm>
             <a:prstGeom prst="rect">
               <a:avLst/>
@@ -5898,8 +5898,8 @@
           </p:nvSpPr>
           <p:spPr>
             <a:xfrm>
-              <a:off x="8104218" y="5864614"/>
-              <a:ext cx="132631" cy="112810"/>
+              <a:off x="8590858" y="5735425"/>
+              <a:ext cx="157215" cy="108198"/>
             </a:xfrm>
             <a:prstGeom prst="rect">
               <a:avLst/>
@@ -5933,8 +5933,8 @@
           </p:nvSpPr>
           <p:spPr>
             <a:xfrm>
-              <a:off x="7161675" y="4565200"/>
-              <a:ext cx="325178" cy="322086"/>
+              <a:off x="7375459" y="4901232"/>
+              <a:ext cx="323826" cy="367706"/>
             </a:xfrm>
             <a:prstGeom prst="rect">
               <a:avLst/>
@@ -5968,8 +5968,8 @@
           </p:nvSpPr>
           <p:spPr>
             <a:xfrm>
-              <a:off x="6812047" y="4950352"/>
-              <a:ext cx="349628" cy="385152"/>
+              <a:off x="8141382" y="4111553"/>
+              <a:ext cx="362805" cy="421972"/>
             </a:xfrm>
             <a:prstGeom prst="rect">
               <a:avLst/>
@@ -6003,8 +6003,8 @@
           </p:nvSpPr>
           <p:spPr>
             <a:xfrm>
-              <a:off x="8236849" y="5751804"/>
-              <a:ext cx="132631" cy="112810"/>
+              <a:off x="8590858" y="5843623"/>
+              <a:ext cx="157215" cy="108198"/>
             </a:xfrm>
             <a:prstGeom prst="rect">
               <a:avLst/>
@@ -6038,8 +6038,8 @@
           </p:nvSpPr>
           <p:spPr>
             <a:xfrm>
-              <a:off x="8236849" y="5864614"/>
-              <a:ext cx="132631" cy="112810"/>
+              <a:off x="8748073" y="5735425"/>
+              <a:ext cx="78607" cy="216396"/>
             </a:xfrm>
             <a:prstGeom prst="rect">
               <a:avLst/>
@@ -6073,8 +6073,8 @@
           </p:nvSpPr>
           <p:spPr>
             <a:xfrm>
-              <a:off x="2328681" y="1905464"/>
-              <a:ext cx="2671327" cy="2520470"/>
+              <a:off x="1871481" y="1931068"/>
+              <a:ext cx="2762618" cy="2770810"/>
             </a:xfrm>
             <a:prstGeom prst="rect">
               <a:avLst/>
@@ -6108,8 +6108,8 @@
           </p:nvSpPr>
           <p:spPr>
             <a:xfrm>
-              <a:off x="7662112" y="5808209"/>
-              <a:ext cx="176842" cy="169215"/>
+              <a:off x="8664200" y="5114286"/>
+              <a:ext cx="162480" cy="209383"/>
             </a:xfrm>
             <a:prstGeom prst="rect">
               <a:avLst/>
@@ -6143,8 +6143,8 @@
           </p:nvSpPr>
           <p:spPr>
             <a:xfrm>
-              <a:off x="7161675" y="5198754"/>
-              <a:ext cx="288226" cy="311468"/>
+              <a:off x="8287492" y="4533526"/>
+              <a:ext cx="294103" cy="347029"/>
             </a:xfrm>
             <a:prstGeom prst="rect">
               <a:avLst/>
@@ -6178,8 +6178,8 @@
           </p:nvSpPr>
           <p:spPr>
             <a:xfrm>
-              <a:off x="7486853" y="4565200"/>
-              <a:ext cx="325178" cy="322086"/>
+              <a:off x="7375459" y="5268938"/>
+              <a:ext cx="323826" cy="367706"/>
             </a:xfrm>
             <a:prstGeom prst="rect">
               <a:avLst/>
@@ -6213,8 +6213,8 @@
           </p:nvSpPr>
           <p:spPr>
             <a:xfrm>
-              <a:off x="7670296" y="5207513"/>
-              <a:ext cx="160474" cy="16333"/>
+              <a:off x="7979679" y="5409863"/>
+              <a:ext cx="170746" cy="17379"/>
             </a:xfrm>
             <a:prstGeom prst="rect">
               <a:avLst/>
@@ -6227,7 +6227,7 @@
             <a:p>
               <a:pPr algn="l" marL="0" marR="0" indent="0">
                 <a:lnSpc>
-                  <a:spcPts val="173"/>
+                  <a:spcPts val="184"/>
                 </a:lnSpc>
                 <a:spcBef>
                   <a:spcPts val="0"/>
@@ -6250,8 +6250,8 @@
           </p:nvSpPr>
           <p:spPr>
             <a:xfrm>
-              <a:off x="7179642" y="5857375"/>
-              <a:ext cx="252292" cy="31417"/>
+              <a:off x="7696883" y="4997814"/>
+              <a:ext cx="258865" cy="32235"/>
             </a:xfrm>
             <a:prstGeom prst="rect">
               <a:avLst/>
@@ -6264,7 +6264,7 @@
             <a:p>
               <a:pPr algn="l" marL="0" marR="0" indent="0">
                 <a:lnSpc>
-                  <a:spcPts val="334"/>
+                  <a:spcPts val="342"/>
                 </a:lnSpc>
                 <a:spcBef>
                   <a:spcPts val="0"/>
@@ -6287,7 +6287,7 @@
           </p:nvSpPr>
           <p:spPr>
             <a:xfrm>
-              <a:off x="3853890" y="4775440"/>
+              <a:off x="3686194" y="5273371"/>
               <a:ext cx="807094" cy="103478"/>
             </a:xfrm>
             <a:prstGeom prst="rect">
@@ -6333,8 +6333,8 @@
           </p:nvSpPr>
           <p:spPr>
             <a:xfrm>
-              <a:off x="7471899" y="4991984"/>
-              <a:ext cx="201225" cy="33537"/>
+              <a:off x="7718319" y="5263675"/>
+              <a:ext cx="215994" cy="35999"/>
             </a:xfrm>
             <a:prstGeom prst="rect">
               <a:avLst/>
@@ -6347,7 +6347,7 @@
             <a:p>
               <a:pPr algn="l" marL="0" marR="0" indent="0">
                 <a:lnSpc>
-                  <a:spcPts val="356"/>
+                  <a:spcPts val="382"/>
                 </a:lnSpc>
                 <a:spcBef>
                   <a:spcPts val="0"/>
@@ -6370,8 +6370,8 @@
           </p:nvSpPr>
           <p:spPr>
             <a:xfrm>
-              <a:off x="7854175" y="5351099"/>
-              <a:ext cx="102189" cy="11543"/>
+              <a:off x="8191207" y="5380369"/>
+              <a:ext cx="106501" cy="12030"/>
             </a:xfrm>
             <a:prstGeom prst="rect">
               <a:avLst/>
@@ -6384,7 +6384,7 @@
             <a:p>
               <a:pPr algn="l" marL="0" marR="0" indent="0">
                 <a:lnSpc>
-                  <a:spcPts val="124"/>
+                  <a:spcPts val="130"/>
                 </a:lnSpc>
                 <a:spcBef>
                   <a:spcPts val="0"/>
@@ -6407,8 +6407,8 @@
           </p:nvSpPr>
           <p:spPr>
             <a:xfrm>
-              <a:off x="7807533" y="4710632"/>
-              <a:ext cx="287722" cy="30205"/>
+              <a:off x="7400874" y="5779421"/>
+              <a:ext cx="272996" cy="28659"/>
             </a:xfrm>
             <a:prstGeom prst="rect">
               <a:avLst/>
@@ -6421,7 +6421,7 @@
             <a:p>
               <a:pPr algn="l" marL="0" marR="0" indent="0">
                 <a:lnSpc>
-                  <a:spcPts val="321"/>
+                  <a:spcPts val="304"/>
                 </a:lnSpc>
                 <a:spcBef>
                   <a:spcPts val="0"/>
@@ -6444,8 +6444,8 @@
           </p:nvSpPr>
           <p:spPr>
             <a:xfrm>
-              <a:off x="5778950" y="4810709"/>
-              <a:ext cx="571422" cy="91737"/>
+              <a:off x="5824208" y="5076674"/>
+              <a:ext cx="601792" cy="96613"/>
             </a:xfrm>
             <a:prstGeom prst="rect">
               <a:avLst/>
@@ -6458,7 +6458,7 @@
             <a:p>
               <a:pPr algn="l" marL="0" marR="0" indent="0">
                 <a:lnSpc>
-                  <a:spcPts val="975"/>
+                  <a:spcPts val="1027"/>
                 </a:lnSpc>
                 <a:spcBef>
                   <a:spcPts val="0"/>
@@ -6468,7 +6468,7 @@
                 </a:spcAft>
               </a:pPr>
               <a:r>
-                <a:rPr sz="975" b="1">
+                <a:rPr sz="1027" b="1">
                   <a:solidFill>
                     <a:srgbClr val="000000">
                       <a:alpha val="100000"/>
@@ -6490,8 +6490,8 @@
           </p:nvSpPr>
           <p:spPr>
             <a:xfrm>
-              <a:off x="6410026" y="5732083"/>
-              <a:ext cx="374125" cy="73051"/>
+              <a:off x="6967216" y="4309183"/>
+              <a:ext cx="382043" cy="74597"/>
             </a:xfrm>
             <a:prstGeom prst="rect">
               <a:avLst/>
@@ -6504,7 +6504,7 @@
             <a:p>
               <a:pPr algn="l" marL="0" marR="0" indent="0">
                 <a:lnSpc>
-                  <a:spcPts val="803"/>
+                  <a:spcPts val="820"/>
                 </a:lnSpc>
                 <a:spcBef>
                   <a:spcPts val="0"/>
@@ -6514,7 +6514,7 @@
                 </a:spcAft>
               </a:pPr>
               <a:r>
-                <a:rPr sz="803" b="1">
+                <a:rPr sz="820" b="1">
                   <a:solidFill>
                     <a:srgbClr val="000000">
                       <a:alpha val="100000"/>
@@ -6536,8 +6536,8 @@
           </p:nvSpPr>
           <p:spPr>
             <a:xfrm>
-              <a:off x="7976030" y="5348003"/>
-              <a:ext cx="123743" cy="17357"/>
+              <a:off x="8173668" y="5501858"/>
+              <a:ext cx="141580" cy="19858"/>
             </a:xfrm>
             <a:prstGeom prst="rect">
               <a:avLst/>
@@ -6550,7 +6550,7 @@
             <a:p>
               <a:pPr algn="l" marL="0" marR="0" indent="0">
                 <a:lnSpc>
-                  <a:spcPts val="184"/>
+                  <a:spcPts val="211"/>
                 </a:lnSpc>
                 <a:spcBef>
                   <a:spcPts val="0"/>
@@ -6573,8 +6573,8 @@
           </p:nvSpPr>
           <p:spPr>
             <a:xfrm>
-              <a:off x="8101588" y="5324367"/>
-              <a:ext cx="137890" cy="21772"/>
+              <a:off x="8174073" y="5604464"/>
+              <a:ext cx="140769" cy="22226"/>
             </a:xfrm>
             <a:prstGeom prst="rect">
               <a:avLst/>
@@ -6587,7 +6587,7 @@
             <a:p>
               <a:pPr algn="l" marL="0" marR="0" indent="0">
                 <a:lnSpc>
-                  <a:spcPts val="235"/>
+                  <a:spcPts val="240"/>
                 </a:lnSpc>
                 <a:spcBef>
                   <a:spcPts val="0"/>
@@ -6610,8 +6610,8 @@
           </p:nvSpPr>
           <p:spPr>
             <a:xfrm>
-              <a:off x="8128997" y="5367052"/>
-              <a:ext cx="83072" cy="22151"/>
+              <a:off x="8202054" y="5648040"/>
+              <a:ext cx="84807" cy="22614"/>
             </a:xfrm>
             <a:prstGeom prst="rect">
               <a:avLst/>
@@ -6624,7 +6624,7 @@
             <a:p>
               <a:pPr algn="l" marL="0" marR="0" indent="0">
                 <a:lnSpc>
-                  <a:spcPts val="235"/>
+                  <a:spcPts val="240"/>
                 </a:lnSpc>
                 <a:spcBef>
                   <a:spcPts val="0"/>
@@ -6647,8 +6647,8 @@
           </p:nvSpPr>
           <p:spPr>
             <a:xfrm>
-              <a:off x="8184385" y="4997336"/>
-              <a:ext cx="186276" cy="23196"/>
+              <a:off x="7966252" y="4985038"/>
+              <a:ext cx="192523" cy="23974"/>
             </a:xfrm>
             <a:prstGeom prst="rect">
               <a:avLst/>
@@ -6661,7 +6661,7 @@
             <a:p>
               <a:pPr algn="l" marL="0" marR="0" indent="0">
                 <a:lnSpc>
-                  <a:spcPts val="246"/>
+                  <a:spcPts val="255"/>
                 </a:lnSpc>
                 <a:spcBef>
                   <a:spcPts val="0"/>
@@ -6684,7 +6684,7 @@
           </p:nvSpPr>
           <p:spPr>
             <a:xfrm>
-              <a:off x="2619113" y="5148269"/>
+              <a:off x="2405771" y="5273439"/>
               <a:ext cx="605321" cy="103410"/>
             </a:xfrm>
             <a:prstGeom prst="rect">
@@ -6730,8 +6730,8 @@
           </p:nvSpPr>
           <p:spPr>
             <a:xfrm>
-              <a:off x="7714376" y="4982973"/>
-              <a:ext cx="206714" cy="51005"/>
+              <a:off x="7715373" y="5521819"/>
+              <a:ext cx="221886" cy="54749"/>
             </a:xfrm>
             <a:prstGeom prst="rect">
               <a:avLst/>
@@ -6744,7 +6744,7 @@
             <a:p>
               <a:pPr algn="l" marL="0" marR="0" indent="0">
                 <a:lnSpc>
-                  <a:spcPts val="542"/>
+                  <a:spcPts val="582"/>
                 </a:lnSpc>
                 <a:spcBef>
                   <a:spcPts val="0"/>
@@ -6754,7 +6754,7 @@
                 </a:spcAft>
               </a:pPr>
               <a:r>
-                <a:rPr sz="542" b="1">
+                <a:rPr sz="582" b="1">
                   <a:solidFill>
                     <a:srgbClr val="000000">
                       <a:alpha val="100000"/>
@@ -6776,8 +6776,8 @@
           </p:nvSpPr>
           <p:spPr>
             <a:xfrm>
-              <a:off x="8244130" y="5348676"/>
-              <a:ext cx="118070" cy="16054"/>
+              <a:off x="8182932" y="5754734"/>
+              <a:ext cx="123051" cy="16732"/>
             </a:xfrm>
             <a:prstGeom prst="rect">
               <a:avLst/>
@@ -6790,7 +6790,7 @@
             <a:p>
               <a:pPr algn="l" marL="0" marR="0" indent="0">
                 <a:lnSpc>
-                  <a:spcPts val="170"/>
+                  <a:spcPts val="177"/>
                 </a:lnSpc>
                 <a:spcBef>
                   <a:spcPts val="0"/>
@@ -6813,8 +6813,8 @@
           </p:nvSpPr>
           <p:spPr>
             <a:xfrm>
-              <a:off x="7835464" y="5425788"/>
-              <a:ext cx="139612" cy="29546"/>
+              <a:off x="8173194" y="5844097"/>
+              <a:ext cx="142527" cy="30163"/>
             </a:xfrm>
             <a:prstGeom prst="rect">
               <a:avLst/>
@@ -6827,7 +6827,7 @@
             <a:p>
               <a:pPr algn="l" marL="0" marR="0" indent="0">
                 <a:lnSpc>
-                  <a:spcPts val="314"/>
+                  <a:spcPts val="320"/>
                 </a:lnSpc>
                 <a:spcBef>
                   <a:spcPts val="0"/>
@@ -6850,8 +6850,8 @@
           </p:nvSpPr>
           <p:spPr>
             <a:xfrm>
-              <a:off x="7856519" y="5483248"/>
-              <a:ext cx="97502" cy="29527"/>
+              <a:off x="8194689" y="5902757"/>
+              <a:ext cx="99538" cy="30143"/>
             </a:xfrm>
             <a:prstGeom prst="rect">
               <a:avLst/>
@@ -6864,7 +6864,7 @@
             <a:p>
               <a:pPr algn="l" marL="0" marR="0" indent="0">
                 <a:lnSpc>
-                  <a:spcPts val="314"/>
+                  <a:spcPts val="320"/>
                 </a:lnSpc>
                 <a:spcBef>
                   <a:spcPts val="0"/>
@@ -6887,8 +6887,8 @@
           </p:nvSpPr>
           <p:spPr>
             <a:xfrm>
-              <a:off x="7967405" y="5457944"/>
-              <a:ext cx="140994" cy="22912"/>
+              <a:off x="8308103" y="5378314"/>
+              <a:ext cx="136741" cy="22220"/>
             </a:xfrm>
             <a:prstGeom prst="rect">
               <a:avLst/>
@@ -6901,7 +6901,7 @@
             <a:p>
               <a:pPr algn="l" marL="0" marR="0" indent="0">
                 <a:lnSpc>
-                  <a:spcPts val="243"/>
+                  <a:spcPts val="236"/>
                 </a:lnSpc>
                 <a:spcBef>
                   <a:spcPts val="0"/>
@@ -6924,8 +6924,8 @@
           </p:nvSpPr>
           <p:spPr>
             <a:xfrm>
-              <a:off x="7482929" y="5190331"/>
-              <a:ext cx="146155" cy="31410"/>
+              <a:off x="8205660" y="4949295"/>
+              <a:ext cx="150372" cy="32317"/>
             </a:xfrm>
             <a:prstGeom prst="rect">
               <a:avLst/>
@@ -6938,7 +6938,7 @@
             <a:p>
               <a:pPr algn="l" marL="0" marR="0" indent="0">
                 <a:lnSpc>
-                  <a:spcPts val="334"/>
+                  <a:spcPts val="343"/>
                 </a:lnSpc>
                 <a:spcBef>
                   <a:spcPts val="0"/>
@@ -6961,8 +6961,8 @@
           </p:nvSpPr>
           <p:spPr>
             <a:xfrm>
-              <a:off x="7447560" y="5251436"/>
-              <a:ext cx="216892" cy="31410"/>
+              <a:off x="8169272" y="5012163"/>
+              <a:ext cx="223150" cy="32317"/>
             </a:xfrm>
             <a:prstGeom prst="rect">
               <a:avLst/>
@@ -6975,7 +6975,7 @@
             <a:p>
               <a:pPr algn="l" marL="0" marR="0" indent="0">
                 <a:lnSpc>
-                  <a:spcPts val="334"/>
+                  <a:spcPts val="343"/>
                 </a:lnSpc>
                 <a:spcBef>
                   <a:spcPts val="0"/>
@@ -6998,8 +6998,8 @@
           </p:nvSpPr>
           <p:spPr>
             <a:xfrm>
-              <a:off x="6376299" y="3839253"/>
-              <a:ext cx="537725" cy="75313"/>
+              <a:off x="6413045" y="4481118"/>
+              <a:ext cx="533759" cy="74757"/>
             </a:xfrm>
             <a:prstGeom prst="rect">
               <a:avLst/>
@@ -7012,7 +7012,7 @@
             <a:p>
               <a:pPr algn="l" marL="0" marR="0" indent="0">
                 <a:lnSpc>
-                  <a:spcPts val="828"/>
+                  <a:spcPts val="822"/>
                 </a:lnSpc>
                 <a:spcBef>
                   <a:spcPts val="0"/>
@@ -7022,7 +7022,7 @@
                 </a:spcAft>
               </a:pPr>
               <a:r>
-                <a:rPr sz="828" b="1">
+                <a:rPr sz="822" b="1">
                   <a:solidFill>
                     <a:srgbClr val="000000">
                       <a:alpha val="100000"/>
@@ -7044,7 +7044,7 @@
           </p:nvSpPr>
           <p:spPr>
             <a:xfrm>
-              <a:off x="6964086" y="3173823"/>
+              <a:off x="7255050" y="3161118"/>
               <a:ext cx="473533" cy="103410"/>
             </a:xfrm>
             <a:prstGeom prst="rect">
@@ -7090,7 +7090,7 @@
           </p:nvSpPr>
           <p:spPr>
             <a:xfrm>
-              <a:off x="3912075" y="5551253"/>
+              <a:off x="4887376" y="2403339"/>
               <a:ext cx="690723" cy="103410"/>
             </a:xfrm>
             <a:prstGeom prst="rect">
@@ -7136,8 +7136,8 @@
           </p:nvSpPr>
           <p:spPr>
             <a:xfrm>
-              <a:off x="8102772" y="5458106"/>
-              <a:ext cx="135522" cy="22584"/>
+              <a:off x="8439387" y="5378471"/>
+              <a:ext cx="131434" cy="21903"/>
             </a:xfrm>
             <a:prstGeom prst="rect">
               <a:avLst/>
@@ -7150,7 +7150,7 @@
             <a:p>
               <a:pPr algn="l" marL="0" marR="0" indent="0">
                 <a:lnSpc>
-                  <a:spcPts val="240"/>
+                  <a:spcPts val="232"/>
                 </a:lnSpc>
                 <a:spcBef>
                   <a:spcPts val="0"/>
@@ -7173,8 +7173,8 @@
           </p:nvSpPr>
           <p:spPr>
             <a:xfrm>
-              <a:off x="7470555" y="5434791"/>
-              <a:ext cx="170903" cy="26787"/>
+              <a:off x="8408727" y="4982775"/>
+              <a:ext cx="180907" cy="28355"/>
             </a:xfrm>
             <a:prstGeom prst="rect">
               <a:avLst/>
@@ -7187,7 +7187,7 @@
             <a:p>
               <a:pPr algn="l" marL="0" marR="0" indent="0">
                 <a:lnSpc>
-                  <a:spcPts val="284"/>
+                  <a:spcPts val="301"/>
                 </a:lnSpc>
                 <a:spcBef>
                   <a:spcPts val="0"/>
@@ -7210,7 +7210,7 @@
           </p:nvSpPr>
           <p:spPr>
             <a:xfrm>
-              <a:off x="5773215" y="3177233"/>
+              <a:off x="5904701" y="3164529"/>
               <a:ext cx="613029" cy="100000"/>
             </a:xfrm>
             <a:prstGeom prst="rect">
@@ -7256,7 +7256,7 @@
           </p:nvSpPr>
           <p:spPr>
             <a:xfrm>
-              <a:off x="7038589" y="2316089"/>
+              <a:off x="4941708" y="4982020"/>
               <a:ext cx="582060" cy="103410"/>
             </a:xfrm>
             <a:prstGeom prst="rect">
@@ -7302,7 +7302,7 @@
           </p:nvSpPr>
           <p:spPr>
             <a:xfrm>
-              <a:off x="5016574" y="4782601"/>
+              <a:off x="7382187" y="2323461"/>
               <a:ext cx="714052" cy="103410"/>
             </a:xfrm>
             <a:prstGeom prst="rect">
@@ -7348,8 +7348,8 @@
           </p:nvSpPr>
           <p:spPr>
             <a:xfrm>
-              <a:off x="6828710" y="4309211"/>
-              <a:ext cx="381989" cy="77120"/>
+              <a:off x="6970146" y="4777110"/>
+              <a:ext cx="376184" cy="75948"/>
             </a:xfrm>
             <a:prstGeom prst="rect">
               <a:avLst/>
@@ -7362,7 +7362,7 @@
             <a:p>
               <a:pPr algn="l" marL="0" marR="0" indent="0">
                 <a:lnSpc>
-                  <a:spcPts val="820"/>
+                  <a:spcPts val="807"/>
                 </a:lnSpc>
                 <a:spcBef>
                   <a:spcPts val="0"/>
@@ -7372,7 +7372,7 @@
                 </a:spcAft>
               </a:pPr>
               <a:r>
-                <a:rPr sz="820" b="1">
+                <a:rPr sz="807" b="1">
                   <a:solidFill>
                     <a:srgbClr val="000000">
                       <a:alpha val="100000"/>
@@ -7394,8 +7394,8 @@
           </p:nvSpPr>
           <p:spPr>
             <a:xfrm>
-              <a:off x="7838951" y="5199945"/>
-              <a:ext cx="176848" cy="30998"/>
+              <a:off x="7953343" y="5550897"/>
+              <a:ext cx="223418" cy="39160"/>
             </a:xfrm>
             <a:prstGeom prst="rect">
               <a:avLst/>
@@ -7408,7 +7408,7 @@
             <a:p>
               <a:pPr algn="l" marL="0" marR="0" indent="0">
                 <a:lnSpc>
-                  <a:spcPts val="329"/>
+                  <a:spcPts val="416"/>
                 </a:lnSpc>
                 <a:spcBef>
                   <a:spcPts val="0"/>
@@ -7431,8 +7431,8 @@
           </p:nvSpPr>
           <p:spPr>
             <a:xfrm>
-              <a:off x="6839548" y="5805363"/>
-              <a:ext cx="294624" cy="43138"/>
+              <a:off x="7372003" y="4692367"/>
+              <a:ext cx="330738" cy="48425"/>
             </a:xfrm>
             <a:prstGeom prst="rect">
               <a:avLst/>
@@ -7445,7 +7445,7 @@
             <a:p>
               <a:pPr algn="l" marL="0" marR="0" indent="0">
                 <a:lnSpc>
-                  <a:spcPts val="458"/>
+                  <a:spcPts val="515"/>
                 </a:lnSpc>
                 <a:spcBef>
                   <a:spcPts val="0"/>
@@ -7455,7 +7455,7 @@
                 </a:spcAft>
               </a:pPr>
               <a:r>
-                <a:rPr sz="458" b="1">
+                <a:rPr sz="515" b="1">
                   <a:solidFill>
                     <a:srgbClr val="000000">
                       <a:alpha val="100000"/>
@@ -7477,8 +7477,8 @@
           </p:nvSpPr>
           <p:spPr>
             <a:xfrm>
-              <a:off x="8013545" y="5200355"/>
-              <a:ext cx="181344" cy="30204"/>
+              <a:off x="7963028" y="5705849"/>
+              <a:ext cx="204048" cy="33985"/>
             </a:xfrm>
             <a:prstGeom prst="rect">
               <a:avLst/>
@@ -7491,7 +7491,7 @@
             <a:p>
               <a:pPr algn="l" marL="0" marR="0" indent="0">
                 <a:lnSpc>
-                  <a:spcPts val="321"/>
+                  <a:spcPts val="361"/>
                 </a:lnSpc>
                 <a:spcBef>
                   <a:spcPts val="0"/>
@@ -7514,7 +7514,7 @@
           </p:nvSpPr>
           <p:spPr>
             <a:xfrm>
-              <a:off x="7840778" y="2319499"/>
+              <a:off x="5042595" y="5603461"/>
               <a:ext cx="380286" cy="100000"/>
             </a:xfrm>
             <a:prstGeom prst="rect">
@@ -7560,8 +7560,8 @@
           </p:nvSpPr>
           <p:spPr>
             <a:xfrm>
-              <a:off x="6379975" y="5303659"/>
-              <a:ext cx="434227" cy="57889"/>
+              <a:off x="8386743" y="3828505"/>
+              <a:ext cx="442132" cy="58943"/>
             </a:xfrm>
             <a:prstGeom prst="rect">
               <a:avLst/>
@@ -7574,7 +7574,7 @@
             <a:p>
               <a:pPr algn="l" marL="0" marR="0" indent="0">
                 <a:lnSpc>
-                  <a:spcPts val="615"/>
+                  <a:spcPts val="626"/>
                 </a:lnSpc>
                 <a:spcBef>
                   <a:spcPts val="0"/>
@@ -7584,7 +7584,7 @@
                 </a:spcAft>
               </a:pPr>
               <a:r>
-                <a:rPr sz="615" b="1">
+                <a:rPr sz="626" b="1">
                   <a:solidFill>
                     <a:srgbClr val="000000">
                       <a:alpha val="100000"/>
@@ -7606,7 +7606,7 @@
           </p:nvSpPr>
           <p:spPr>
             <a:xfrm>
-              <a:off x="7979551" y="3826910"/>
+              <a:off x="7022824" y="3808967"/>
               <a:ext cx="341473" cy="100000"/>
             </a:xfrm>
             <a:prstGeom prst="rect">
@@ -7652,8 +7652,8 @@
           </p:nvSpPr>
           <p:spPr>
             <a:xfrm>
-              <a:off x="7451576" y="3189572"/>
-              <a:ext cx="467660" cy="75322"/>
+              <a:off x="7778205" y="3171510"/>
+              <a:ext cx="534184" cy="86037"/>
             </a:xfrm>
             <a:prstGeom prst="rect">
               <a:avLst/>
@@ -7666,7 +7666,7 @@
             <a:p>
               <a:pPr algn="l" marL="0" marR="0" indent="0">
                 <a:lnSpc>
-                  <a:spcPts val="828"/>
+                  <a:spcPts val="946"/>
                 </a:lnSpc>
                 <a:spcBef>
                   <a:spcPts val="0"/>
@@ -7676,7 +7676,7 @@
                 </a:spcAft>
               </a:pPr>
               <a:r>
-                <a:rPr sz="828" b="1">
+                <a:rPr sz="946" b="1">
                   <a:solidFill>
                     <a:srgbClr val="000000">
                       <a:alpha val="100000"/>
@@ -7698,8 +7698,8 @@
           </p:nvSpPr>
           <p:spPr>
             <a:xfrm>
-              <a:off x="8203178" y="5199694"/>
-              <a:ext cx="155763" cy="31463"/>
+              <a:off x="7965611" y="5854920"/>
+              <a:ext cx="198881" cy="40173"/>
             </a:xfrm>
             <a:prstGeom prst="rect">
               <a:avLst/>
@@ -7712,7 +7712,7 @@
             <a:p>
               <a:pPr algn="l" marL="0" marR="0" indent="0">
                 <a:lnSpc>
-                  <a:spcPts val="334"/>
+                  <a:spcPts val="427"/>
                 </a:lnSpc>
                 <a:spcBef>
                   <a:spcPts val="0"/>
@@ -7735,7 +7735,7 @@
           </p:nvSpPr>
           <p:spPr>
             <a:xfrm>
-              <a:off x="6476522" y="3177233"/>
+              <a:off x="6693153" y="3164529"/>
               <a:ext cx="403547" cy="100000"/>
             </a:xfrm>
             <a:prstGeom prst="rect">
@@ -7781,7 +7781,7 @@
           </p:nvSpPr>
           <p:spPr>
             <a:xfrm>
-              <a:off x="5136834" y="3202349"/>
+              <a:off x="5995255" y="2325166"/>
               <a:ext cx="473533" cy="101705"/>
             </a:xfrm>
             <a:prstGeom prst="rect">
@@ -7827,8 +7827,8 @@
           </p:nvSpPr>
           <p:spPr>
             <a:xfrm>
-              <a:off x="7658818" y="5368562"/>
-              <a:ext cx="183430" cy="32155"/>
+              <a:off x="8173731" y="5203719"/>
+              <a:ext cx="168533" cy="29544"/>
             </a:xfrm>
             <a:prstGeom prst="rect">
               <a:avLst/>
@@ -7841,7 +7841,7 @@
             <a:p>
               <a:pPr algn="l" marL="0" marR="0" indent="0">
                 <a:lnSpc>
-                  <a:spcPts val="342"/>
+                  <a:spcPts val="314"/>
                 </a:lnSpc>
                 <a:spcBef>
                   <a:spcPts val="0"/>
@@ -7864,8 +7864,8 @@
           </p:nvSpPr>
           <p:spPr>
             <a:xfrm>
-              <a:off x="8106320" y="4700927"/>
-              <a:ext cx="247597" cy="50631"/>
+              <a:off x="7708500" y="4678854"/>
+              <a:ext cx="275673" cy="56372"/>
             </a:xfrm>
             <a:prstGeom prst="rect">
               <a:avLst/>
@@ -7878,7 +7878,7 @@
             <a:p>
               <a:pPr algn="l" marL="0" marR="0" indent="0">
                 <a:lnSpc>
-                  <a:spcPts val="556"/>
+                  <a:spcPts val="620"/>
                 </a:lnSpc>
                 <a:spcBef>
                   <a:spcPts val="0"/>
@@ -7888,7 +7888,7 @@
                 </a:spcAft>
               </a:pPr>
               <a:r>
-                <a:rPr sz="556" b="1">
+                <a:rPr sz="620" b="1">
                   <a:solidFill>
                     <a:srgbClr val="000000">
                       <a:alpha val="100000"/>
@@ -7910,8 +7910,8 @@
           </p:nvSpPr>
           <p:spPr>
             <a:xfrm>
-              <a:off x="8234555" y="5459167"/>
-              <a:ext cx="137220" cy="20543"/>
+              <a:off x="8567195" y="5379501"/>
+              <a:ext cx="133080" cy="19924"/>
             </a:xfrm>
             <a:prstGeom prst="rect">
               <a:avLst/>
@@ -7924,7 +7924,7 @@
             <a:p>
               <a:pPr algn="l" marL="0" marR="0" indent="0">
                 <a:lnSpc>
-                  <a:spcPts val="218"/>
+                  <a:spcPts val="211"/>
                 </a:lnSpc>
                 <a:spcBef>
                   <a:spcPts val="0"/>
@@ -7947,8 +7947,8 @@
           </p:nvSpPr>
           <p:spPr>
             <a:xfrm>
-              <a:off x="7844575" y="5574250"/>
-              <a:ext cx="121390" cy="16401"/>
+              <a:off x="8705277" y="5381948"/>
+              <a:ext cx="114177" cy="15427"/>
             </a:xfrm>
             <a:prstGeom prst="rect">
               <a:avLst/>
@@ -7961,7 +7961,7 @@
             <a:p>
               <a:pPr algn="l" marL="0" marR="0" indent="0">
                 <a:lnSpc>
-                  <a:spcPts val="177"/>
+                  <a:spcPts val="166"/>
                 </a:lnSpc>
                 <a:spcBef>
                   <a:spcPts val="0"/>
@@ -7984,8 +7984,8 @@
           </p:nvSpPr>
           <p:spPr>
             <a:xfrm>
-              <a:off x="7851139" y="5685971"/>
-              <a:ext cx="108262" cy="18856"/>
+              <a:off x="8322832" y="5507811"/>
+              <a:ext cx="115858" cy="20179"/>
             </a:xfrm>
             <a:prstGeom prst="rect">
               <a:avLst/>
@@ -7998,7 +7998,7 @@
             <a:p>
               <a:pPr algn="l" marL="0" marR="0" indent="0">
                 <a:lnSpc>
-                  <a:spcPts val="207"/>
+                  <a:spcPts val="221"/>
                 </a:lnSpc>
                 <a:spcBef>
                   <a:spcPts val="0"/>
@@ -8021,8 +8021,8 @@
           </p:nvSpPr>
           <p:spPr>
             <a:xfrm>
-              <a:off x="5766977" y="3836503"/>
-              <a:ext cx="595368" cy="84448"/>
+              <a:off x="5812191" y="3879022"/>
+              <a:ext cx="625825" cy="88768"/>
             </a:xfrm>
             <a:prstGeom prst="rect">
               <a:avLst/>
@@ -8035,7 +8035,7 @@
             <a:p>
               <a:pPr algn="l" marL="0" marR="0" indent="0">
                 <a:lnSpc>
-                  <a:spcPts val="897"/>
+                  <a:spcPts val="943"/>
                 </a:lnSpc>
                 <a:spcBef>
                   <a:spcPts val="0"/>
@@ -8045,7 +8045,7 @@
                 </a:spcAft>
               </a:pPr>
               <a:r>
-                <a:rPr sz="897" b="1">
+                <a:rPr sz="943" b="1">
                   <a:solidFill>
                     <a:srgbClr val="000000">
                       <a:alpha val="100000"/>
@@ -8067,8 +8067,8 @@
           </p:nvSpPr>
           <p:spPr>
             <a:xfrm>
-              <a:off x="7847565" y="5800256"/>
-              <a:ext cx="115411" cy="15388"/>
+              <a:off x="8319007" y="5633367"/>
+              <a:ext cx="123509" cy="16468"/>
             </a:xfrm>
             <a:prstGeom prst="rect">
               <a:avLst/>
@@ -8081,7 +8081,7 @@
             <a:p>
               <a:pPr algn="l" marL="0" marR="0" indent="0">
                 <a:lnSpc>
-                  <a:spcPts val="163"/>
+                  <a:spcPts val="175"/>
                 </a:lnSpc>
                 <a:spcBef>
                   <a:spcPts val="0"/>
@@ -8104,8 +8104,8 @@
           </p:nvSpPr>
           <p:spPr>
             <a:xfrm>
-              <a:off x="6412642" y="4340752"/>
-              <a:ext cx="368891" cy="69221"/>
+              <a:off x="7446116" y="3813281"/>
+              <a:ext cx="471395" cy="88455"/>
             </a:xfrm>
             <a:prstGeom prst="rect">
               <a:avLst/>
@@ -8118,7 +8118,7 @@
             <a:p>
               <a:pPr algn="l" marL="0" marR="0" indent="0">
                 <a:lnSpc>
-                  <a:spcPts val="736"/>
+                  <a:spcPts val="940"/>
                 </a:lnSpc>
                 <a:spcBef>
                   <a:spcPts val="0"/>
@@ -8128,7 +8128,7 @@
                 </a:spcAft>
               </a:pPr>
               <a:r>
-                <a:rPr sz="736" b="1">
+                <a:rPr sz="940" b="1">
                   <a:solidFill>
                     <a:srgbClr val="000000">
                       <a:alpha val="100000"/>
@@ -8150,8 +8150,8 @@
           </p:nvSpPr>
           <p:spPr>
             <a:xfrm>
-              <a:off x="7847454" y="5912981"/>
-              <a:ext cx="115631" cy="15564"/>
+              <a:off x="8318889" y="5757253"/>
+              <a:ext cx="123745" cy="16656"/>
             </a:xfrm>
             <a:prstGeom prst="rect">
               <a:avLst/>
@@ -8164,7 +8164,7 @@
             <a:p>
               <a:pPr algn="l" marL="0" marR="0" indent="0">
                 <a:lnSpc>
-                  <a:spcPts val="165"/>
+                  <a:spcPts val="177"/>
                 </a:lnSpc>
                 <a:spcBef>
                   <a:spcPts val="0"/>
@@ -8187,8 +8187,8 @@
           </p:nvSpPr>
           <p:spPr>
             <a:xfrm>
-              <a:off x="7962317" y="4994887"/>
-              <a:ext cx="201273" cy="27937"/>
+              <a:off x="7718293" y="5802425"/>
+              <a:ext cx="216046" cy="29987"/>
             </a:xfrm>
             <a:prstGeom prst="rect">
               <a:avLst/>
@@ -8201,7 +8201,7 @@
             <a:p>
               <a:pPr algn="l" marL="0" marR="0" indent="0">
                 <a:lnSpc>
-                  <a:spcPts val="297"/>
+                  <a:spcPts val="318"/>
                 </a:lnSpc>
                 <a:spcBef>
                   <a:spcPts val="0"/>
@@ -8224,8 +8224,8 @@
           </p:nvSpPr>
           <p:spPr>
             <a:xfrm>
-              <a:off x="7987370" y="5574132"/>
-              <a:ext cx="101063" cy="16913"/>
+              <a:off x="8326684" y="5880783"/>
+              <a:ext cx="108154" cy="18099"/>
             </a:xfrm>
             <a:prstGeom prst="rect">
               <a:avLst/>
@@ -8238,7 +8238,7 @@
             <a:p>
               <a:pPr algn="l" marL="0" marR="0" indent="0">
                 <a:lnSpc>
-                  <a:spcPts val="186"/>
+                  <a:spcPts val="199"/>
                 </a:lnSpc>
                 <a:spcBef>
                   <a:spcPts val="0"/>
@@ -8261,8 +8261,8 @@
           </p:nvSpPr>
           <p:spPr>
             <a:xfrm>
-              <a:off x="8099386" y="5567561"/>
-              <a:ext cx="142295" cy="30053"/>
+              <a:off x="8444783" y="5509286"/>
+              <a:ext cx="134935" cy="28499"/>
             </a:xfrm>
             <a:prstGeom prst="rect">
               <a:avLst/>
@@ -8275,7 +8275,7 @@
             <a:p>
               <a:pPr algn="l" marL="0" marR="0" indent="0">
                 <a:lnSpc>
-                  <a:spcPts val="330"/>
+                  <a:spcPts val="313"/>
                 </a:lnSpc>
                 <a:spcBef>
                   <a:spcPts val="0"/>
@@ -8298,8 +8298,8 @@
           </p:nvSpPr>
           <p:spPr>
             <a:xfrm>
-              <a:off x="5041439" y="4031400"/>
-              <a:ext cx="664322" cy="65127"/>
+              <a:off x="6675311" y="2343495"/>
+              <a:ext cx="658770" cy="64582"/>
             </a:xfrm>
             <a:prstGeom prst="rect">
               <a:avLst/>
@@ -8312,7 +8312,7 @@
             <a:p>
               <a:pPr algn="l" marL="0" marR="0" indent="0">
                 <a:lnSpc>
-                  <a:spcPts val="692"/>
+                  <a:spcPts val="686"/>
                 </a:lnSpc>
                 <a:spcBef>
                   <a:spcPts val="0"/>
@@ -8322,7 +8322,7 @@
                 </a:spcAft>
               </a:pPr>
               <a:r>
-                <a:rPr sz="692" b="1">
+                <a:rPr sz="686" b="1">
                   <a:solidFill>
                     <a:srgbClr val="000000">
                       <a:alpha val="100000"/>
@@ -8344,8 +8344,8 @@
           </p:nvSpPr>
           <p:spPr>
             <a:xfrm>
-              <a:off x="6488350" y="4763262"/>
-              <a:ext cx="217475" cy="66726"/>
+              <a:off x="8048998" y="3762652"/>
+              <a:ext cx="208463" cy="63961"/>
             </a:xfrm>
             <a:prstGeom prst="rect">
               <a:avLst/>
@@ -8358,7 +8358,7 @@
             <a:p>
               <a:pPr algn="l" marL="0" marR="0" indent="0">
                 <a:lnSpc>
-                  <a:spcPts val="733"/>
+                  <a:spcPts val="703"/>
                 </a:lnSpc>
                 <a:spcBef>
                   <a:spcPts val="0"/>
@@ -8368,7 +8368,7 @@
                 </a:spcAft>
               </a:pPr>
               <a:r>
-                <a:rPr sz="733" b="1">
+                <a:rPr sz="703" b="1">
                   <a:solidFill>
                     <a:srgbClr val="000000">
                       <a:alpha val="100000"/>
@@ -8390,8 +8390,8 @@
           </p:nvSpPr>
           <p:spPr>
             <a:xfrm>
-              <a:off x="6374423" y="4897494"/>
-              <a:ext cx="445329" cy="66726"/>
+              <a:off x="7939793" y="3891322"/>
+              <a:ext cx="426873" cy="63961"/>
             </a:xfrm>
             <a:prstGeom prst="rect">
               <a:avLst/>
@@ -8404,7 +8404,7 @@
             <a:p>
               <a:pPr algn="l" marL="0" marR="0" indent="0">
                 <a:lnSpc>
-                  <a:spcPts val="733"/>
+                  <a:spcPts val="703"/>
                 </a:lnSpc>
                 <a:spcBef>
                   <a:spcPts val="0"/>
@@ -8414,7 +8414,7 @@
                 </a:spcAft>
               </a:pPr>
               <a:r>
-                <a:rPr sz="733" b="1">
+                <a:rPr sz="703" b="1">
                   <a:solidFill>
                     <a:srgbClr val="000000">
                       <a:alpha val="100000"/>
@@ -8436,8 +8436,8 @@
           </p:nvSpPr>
           <p:spPr>
             <a:xfrm>
-              <a:off x="8236849" y="5566577"/>
-              <a:ext cx="132631" cy="31000"/>
+              <a:off x="8575137" y="5508353"/>
+              <a:ext cx="125771" cy="29397"/>
             </a:xfrm>
             <a:prstGeom prst="rect">
               <a:avLst/>
@@ -8450,7 +8450,7 @@
             <a:p>
               <a:pPr algn="l" marL="0" marR="0" indent="0">
                 <a:lnSpc>
-                  <a:spcPts val="329"/>
+                  <a:spcPts val="312"/>
                 </a:lnSpc>
                 <a:spcBef>
                   <a:spcPts val="0"/>
@@ -8473,7 +8473,7 @@
           </p:nvSpPr>
           <p:spPr>
             <a:xfrm>
-              <a:off x="5773597" y="5252414"/>
+              <a:off x="5834040" y="5623328"/>
               <a:ext cx="582128" cy="103410"/>
             </a:xfrm>
             <a:prstGeom prst="rect">
@@ -8519,8 +8519,8 @@
           </p:nvSpPr>
           <p:spPr>
             <a:xfrm>
-              <a:off x="7678001" y="5509407"/>
-              <a:ext cx="145063" cy="30204"/>
+              <a:off x="8362923" y="5183286"/>
+              <a:ext cx="115111" cy="23967"/>
             </a:xfrm>
             <a:prstGeom prst="rect">
               <a:avLst/>
@@ -8533,7 +8533,7 @@
             <a:p>
               <a:pPr algn="l" marL="0" marR="0" indent="0">
                 <a:lnSpc>
-                  <a:spcPts val="321"/>
+                  <a:spcPts val="254"/>
                 </a:lnSpc>
                 <a:spcBef>
                   <a:spcPts val="0"/>
@@ -8556,8 +8556,8 @@
           </p:nvSpPr>
           <p:spPr>
             <a:xfrm>
-              <a:off x="7659861" y="5569160"/>
-              <a:ext cx="181344" cy="29207"/>
+              <a:off x="8348528" y="5230702"/>
+              <a:ext cx="143901" cy="23177"/>
             </a:xfrm>
             <a:prstGeom prst="rect">
               <a:avLst/>
@@ -8570,7 +8570,7 @@
             <a:p>
               <a:pPr algn="l" marL="0" marR="0" indent="0">
                 <a:lnSpc>
-                  <a:spcPts val="321"/>
+                  <a:spcPts val="254"/>
                 </a:lnSpc>
                 <a:spcBef>
                   <a:spcPts val="0"/>
@@ -8593,8 +8593,8 @@
           </p:nvSpPr>
           <p:spPr>
             <a:xfrm>
-              <a:off x="5746483" y="4333382"/>
-              <a:ext cx="636358" cy="103410"/>
+              <a:off x="5855331" y="4502168"/>
+              <a:ext cx="539547" cy="87678"/>
             </a:xfrm>
             <a:prstGeom prst="rect">
               <a:avLst/>
@@ -8607,7 +8607,7 @@
             <a:p>
               <a:pPr algn="l" marL="0" marR="0" indent="0">
                 <a:lnSpc>
-                  <a:spcPts val="1100"/>
+                  <a:spcPts val="932"/>
                 </a:lnSpc>
                 <a:spcBef>
                   <a:spcPts val="0"/>
@@ -8617,7 +8617,7 @@
                 </a:spcAft>
               </a:pPr>
               <a:r>
-                <a:rPr sz="1100" b="1">
+                <a:rPr sz="932" b="1">
                   <a:solidFill>
                     <a:srgbClr val="000000">
                       <a:alpha val="100000"/>
@@ -8639,7 +8639,7 @@
           </p:nvSpPr>
           <p:spPr>
             <a:xfrm>
-              <a:off x="5150821" y="2316020"/>
+              <a:off x="4875712" y="3376492"/>
               <a:ext cx="714052" cy="103478"/>
             </a:xfrm>
             <a:prstGeom prst="rect">
@@ -8685,8 +8685,8 @@
           </p:nvSpPr>
           <p:spPr>
             <a:xfrm>
-              <a:off x="7159553" y="5004058"/>
-              <a:ext cx="292470" cy="76638"/>
+              <a:off x="7991223" y="4667284"/>
+              <a:ext cx="298434" cy="78201"/>
             </a:xfrm>
             <a:prstGeom prst="rect">
               <a:avLst/>
@@ -8699,7 +8699,7 @@
             <a:p>
               <a:pPr algn="l" marL="0" marR="0" indent="0">
                 <a:lnSpc>
-                  <a:spcPts val="828"/>
+                  <a:spcPts val="845"/>
                 </a:lnSpc>
                 <a:spcBef>
                   <a:spcPts val="0"/>
@@ -8709,7 +8709,7 @@
                 </a:spcAft>
               </a:pPr>
               <a:r>
-                <a:rPr sz="828" b="1">
+                <a:rPr sz="845" b="1">
                   <a:solidFill>
                     <a:srgbClr val="000000">
                       <a:alpha val="100000"/>
@@ -8731,8 +8731,8 @@
           </p:nvSpPr>
           <p:spPr>
             <a:xfrm>
-              <a:off x="7432057" y="3846079"/>
-              <a:ext cx="501237" cy="59656"/>
+              <a:off x="6456198" y="5647407"/>
+              <a:ext cx="447452" cy="53254"/>
             </a:xfrm>
             <a:prstGeom prst="rect">
               <a:avLst/>
@@ -8745,7 +8745,7 @@
             <a:p>
               <a:pPr algn="l" marL="0" marR="0" indent="0">
                 <a:lnSpc>
-                  <a:spcPts val="634"/>
+                  <a:spcPts val="566"/>
                 </a:lnSpc>
                 <a:spcBef>
                   <a:spcPts val="0"/>
@@ -8755,7 +8755,7 @@
                 </a:spcAft>
               </a:pPr>
               <a:r>
-                <a:rPr sz="634" b="1">
+                <a:rPr sz="566" b="1">
                   <a:solidFill>
                     <a:srgbClr val="000000">
                       <a:alpha val="100000"/>
@@ -8777,8 +8777,8 @@
           </p:nvSpPr>
           <p:spPr>
             <a:xfrm>
-              <a:off x="7249223" y="4315395"/>
-              <a:ext cx="371595" cy="65148"/>
+              <a:off x="6935197" y="5245799"/>
+              <a:ext cx="446081" cy="78207"/>
             </a:xfrm>
             <a:prstGeom prst="rect">
               <a:avLst/>
@@ -8791,7 +8791,7 @@
             <a:p>
               <a:pPr algn="l" marL="0" marR="0" indent="0">
                 <a:lnSpc>
-                  <a:spcPts val="692"/>
+                  <a:spcPts val="831"/>
                 </a:lnSpc>
                 <a:spcBef>
                   <a:spcPts val="0"/>
@@ -8801,7 +8801,7 @@
                 </a:spcAft>
               </a:pPr>
               <a:r>
-                <a:rPr sz="692" b="1">
+                <a:rPr sz="831" b="1">
                   <a:solidFill>
                     <a:srgbClr val="000000">
                       <a:alpha val="100000"/>
@@ -8823,8 +8823,8 @@
           </p:nvSpPr>
           <p:spPr>
             <a:xfrm>
-              <a:off x="7458442" y="5646849"/>
-              <a:ext cx="195129" cy="25743"/>
+              <a:off x="8605557" y="4982163"/>
+              <a:ext cx="223914" cy="29540"/>
             </a:xfrm>
             <a:prstGeom prst="rect">
               <a:avLst/>
@@ -8837,7 +8837,7 @@
             <a:p>
               <a:pPr algn="l" marL="0" marR="0" indent="0">
                 <a:lnSpc>
-                  <a:spcPts val="273"/>
+                  <a:spcPts val="314"/>
                 </a:lnSpc>
                 <a:spcBef>
                   <a:spcPts val="0"/>
@@ -8860,8 +8860,8 @@
           </p:nvSpPr>
           <p:spPr>
             <a:xfrm>
-              <a:off x="7964340" y="5677112"/>
-              <a:ext cx="147122" cy="33098"/>
+              <a:off x="8702388" y="5508271"/>
+              <a:ext cx="122813" cy="27629"/>
             </a:xfrm>
             <a:prstGeom prst="rect">
               <a:avLst/>
@@ -8874,7 +8874,7 @@
             <a:p>
               <a:pPr algn="l" marL="0" marR="0" indent="0">
                 <a:lnSpc>
-                  <a:spcPts val="325"/>
+                  <a:spcPts val="272"/>
                 </a:lnSpc>
                 <a:spcBef>
                   <a:spcPts val="0"/>
@@ -8897,8 +8897,8 @@
           </p:nvSpPr>
           <p:spPr>
             <a:xfrm>
-              <a:off x="7469795" y="5857866"/>
-              <a:ext cx="172422" cy="26716"/>
+              <a:off x="7969500" y="5213202"/>
+              <a:ext cx="191103" cy="29610"/>
             </a:xfrm>
             <a:prstGeom prst="rect">
               <a:avLst/>
@@ -8911,7 +8911,7 @@
             <a:p>
               <a:pPr algn="l" marL="0" marR="0" indent="0">
                 <a:lnSpc>
-                  <a:spcPts val="284"/>
+                  <a:spcPts val="314"/>
                 </a:lnSpc>
                 <a:spcBef>
                   <a:spcPts val="0"/>
@@ -8934,8 +8934,8 @@
           </p:nvSpPr>
           <p:spPr>
             <a:xfrm>
-              <a:off x="6807522" y="4721436"/>
-              <a:ext cx="358676" cy="70316"/>
+              <a:off x="7800829" y="4290290"/>
+              <a:ext cx="318300" cy="62401"/>
             </a:xfrm>
             <a:prstGeom prst="rect">
               <a:avLst/>
@@ -8948,7 +8948,7 @@
             <a:p>
               <a:pPr algn="l" marL="0" marR="0" indent="0">
                 <a:lnSpc>
-                  <a:spcPts val="747"/>
+                  <a:spcPts val="663"/>
                 </a:lnSpc>
                 <a:spcBef>
                   <a:spcPts val="0"/>
@@ -8958,7 +8958,7 @@
                 </a:spcAft>
               </a:pPr>
               <a:r>
-                <a:rPr sz="747" b="1">
+                <a:rPr sz="663" b="1">
                   <a:solidFill>
                     <a:srgbClr val="000000">
                       <a:alpha val="100000"/>
@@ -8980,8 +8980,8 @@
           </p:nvSpPr>
           <p:spPr>
             <a:xfrm>
-              <a:off x="7657395" y="5708964"/>
-              <a:ext cx="186276" cy="29275"/>
+              <a:off x="8508550" y="5207284"/>
+              <a:ext cx="148820" cy="23388"/>
             </a:xfrm>
             <a:prstGeom prst="rect">
               <a:avLst/>
@@ -8994,7 +8994,7 @@
             <a:p>
               <a:pPr algn="l" marL="0" marR="0" indent="0">
                 <a:lnSpc>
-                  <a:spcPts val="322"/>
+                  <a:spcPts val="257"/>
                 </a:lnSpc>
                 <a:spcBef>
                   <a:spcPts val="0"/>
@@ -9017,8 +9017,303 @@
           </p:nvSpPr>
           <p:spPr>
             <a:xfrm>
-              <a:off x="5847335" y="5599495"/>
-              <a:ext cx="434652" cy="103478"/>
+              <a:off x="6491882" y="3782546"/>
+              <a:ext cx="376084" cy="89535"/>
+            </a:xfrm>
+            <a:prstGeom prst="rect">
+              <a:avLst/>
+            </a:prstGeom>
+            <a:noFill/>
+          </p:spPr>
+          <p:txBody>
+            <a:bodyPr lIns="0" rIns="0" tIns="0" bIns="0" anchorCtr="1" anchor="ctr" wrap="none"/>
+            <a:lstStyle/>
+            <a:p>
+              <a:pPr algn="l" marL="0" marR="0" indent="0">
+                <a:lnSpc>
+                  <a:spcPts val="951"/>
+                </a:lnSpc>
+                <a:spcBef>
+                  <a:spcPts val="0"/>
+                </a:spcBef>
+                <a:spcAft>
+                  <a:spcPts val="0"/>
+                </a:spcAft>
+              </a:pPr>
+              <a:r>
+                <a:rPr sz="951" b="1">
+                  <a:solidFill>
+                    <a:srgbClr val="000000">
+                      <a:alpha val="100000"/>
+                    </a:srgbClr>
+                  </a:solidFill>
+                  <a:latin typeface="Arial"/>
+                  <a:cs typeface="Arial"/>
+                </a:rPr>
+                <a:t>SAUDI</a:t>
+              </a:r>
+            </a:p>
+          </p:txBody>
+        </p:sp>
+        <p:sp>
+          <p:nvSpPr>
+            <p:cNvPr id="160" name="tx160"/>
+            <p:cNvSpPr/>
+            <p:nvPr/>
+          </p:nvSpPr>
+          <p:spPr>
+            <a:xfrm>
+              <a:off x="6444901" y="3959617"/>
+              <a:ext cx="470046" cy="86525"/>
+            </a:xfrm>
+            <a:prstGeom prst="rect">
+              <a:avLst/>
+            </a:prstGeom>
+            <a:noFill/>
+          </p:spPr>
+          <p:txBody>
+            <a:bodyPr lIns="0" rIns="0" tIns="0" bIns="0" anchorCtr="1" anchor="ctr" wrap="none"/>
+            <a:lstStyle/>
+            <a:p>
+              <a:pPr algn="l" marL="0" marR="0" indent="0">
+                <a:lnSpc>
+                  <a:spcPts val="951"/>
+                </a:lnSpc>
+                <a:spcBef>
+                  <a:spcPts val="0"/>
+                </a:spcBef>
+                <a:spcAft>
+                  <a:spcPts val="0"/>
+                </a:spcAft>
+              </a:pPr>
+              <a:r>
+                <a:rPr sz="951" b="1">
+                  <a:solidFill>
+                    <a:srgbClr val="000000">
+                      <a:alpha val="100000"/>
+                    </a:srgbClr>
+                  </a:solidFill>
+                  <a:latin typeface="Arial"/>
+                  <a:cs typeface="Arial"/>
+                </a:rPr>
+                <a:t>ARABIA</a:t>
+              </a:r>
+            </a:p>
+          </p:txBody>
+        </p:sp>
+        <p:sp>
+          <p:nvSpPr>
+            <p:cNvPr id="161" name="tx161"/>
+            <p:cNvSpPr/>
+            <p:nvPr/>
+          </p:nvSpPr>
+          <p:spPr>
+            <a:xfrm>
+              <a:off x="7398173" y="4297891"/>
+              <a:ext cx="357690" cy="47694"/>
+            </a:xfrm>
+            <a:prstGeom prst="rect">
+              <a:avLst/>
+            </a:prstGeom>
+            <a:noFill/>
+          </p:spPr>
+          <p:txBody>
+            <a:bodyPr lIns="0" rIns="0" tIns="0" bIns="0" anchorCtr="1" anchor="ctr" wrap="none"/>
+            <a:lstStyle/>
+            <a:p>
+              <a:pPr algn="l" marL="0" marR="0" indent="0">
+                <a:lnSpc>
+                  <a:spcPts val="506"/>
+                </a:lnSpc>
+                <a:spcBef>
+                  <a:spcPts val="0"/>
+                </a:spcBef>
+                <a:spcAft>
+                  <a:spcPts val="0"/>
+                </a:spcAft>
+              </a:pPr>
+              <a:r>
+                <a:rPr sz="506" b="1">
+                  <a:solidFill>
+                    <a:srgbClr val="000000">
+                      <a:alpha val="100000"/>
+                    </a:srgbClr>
+                  </a:solidFill>
+                  <a:latin typeface="Arial"/>
+                  <a:cs typeface="Arial"/>
+                </a:rPr>
+                <a:t>SCOTLAND</a:t>
+              </a:r>
+            </a:p>
+          </p:txBody>
+        </p:sp>
+        <p:sp>
+          <p:nvSpPr>
+            <p:cNvPr id="162" name="tx162"/>
+            <p:cNvSpPr/>
+            <p:nvPr/>
+          </p:nvSpPr>
+          <p:spPr>
+            <a:xfrm>
+              <a:off x="8150984" y="2336912"/>
+              <a:ext cx="626415" cy="77320"/>
+            </a:xfrm>
+            <a:prstGeom prst="rect">
+              <a:avLst/>
+            </a:prstGeom>
+            <a:noFill/>
+          </p:spPr>
+          <p:txBody>
+            <a:bodyPr lIns="0" rIns="0" tIns="0" bIns="0" anchorCtr="1" anchor="ctr" wrap="none"/>
+            <a:lstStyle/>
+            <a:p>
+              <a:pPr algn="l" marL="0" marR="0" indent="0">
+                <a:lnSpc>
+                  <a:spcPts val="821"/>
+                </a:lnSpc>
+                <a:spcBef>
+                  <a:spcPts val="0"/>
+                </a:spcBef>
+                <a:spcAft>
+                  <a:spcPts val="0"/>
+                </a:spcAft>
+              </a:pPr>
+              <a:r>
+                <a:rPr sz="821" b="1">
+                  <a:solidFill>
+                    <a:srgbClr val="000000">
+                      <a:alpha val="100000"/>
+                    </a:srgbClr>
+                  </a:solidFill>
+                  <a:latin typeface="Arial"/>
+                  <a:cs typeface="Arial"/>
+                </a:rPr>
+                <a:t>SINGAPORE</a:t>
+              </a:r>
+            </a:p>
+          </p:txBody>
+        </p:sp>
+        <p:sp>
+          <p:nvSpPr>
+            <p:cNvPr id="163" name="tx163"/>
+            <p:cNvSpPr/>
+            <p:nvPr/>
+          </p:nvSpPr>
+          <p:spPr>
+            <a:xfrm>
+              <a:off x="8444224" y="5640026"/>
+              <a:ext cx="151774" cy="21757"/>
+            </a:xfrm>
+            <a:prstGeom prst="rect">
+              <a:avLst/>
+            </a:prstGeom>
+            <a:noFill/>
+          </p:spPr>
+          <p:txBody>
+            <a:bodyPr lIns="0" rIns="0" tIns="0" bIns="0" anchorCtr="1" anchor="ctr" wrap="none"/>
+            <a:lstStyle/>
+            <a:p>
+              <a:pPr algn="l" marL="0" marR="0" indent="0">
+                <a:lnSpc>
+                  <a:spcPts val="231"/>
+                </a:lnSpc>
+                <a:spcBef>
+                  <a:spcPts val="0"/>
+                </a:spcBef>
+                <a:spcAft>
+                  <a:spcPts val="0"/>
+                </a:spcAft>
+              </a:pPr>
+              <a:r>
+                <a:t>SLOVAKIA</a:t>
+              </a:r>
+            </a:p>
+          </p:txBody>
+        </p:sp>
+        <p:sp>
+          <p:nvSpPr>
+            <p:cNvPr id="164" name="tx164"/>
+            <p:cNvSpPr/>
+            <p:nvPr/>
+          </p:nvSpPr>
+          <p:spPr>
+            <a:xfrm>
+              <a:off x="8460356" y="5733835"/>
+              <a:ext cx="119509" cy="25292"/>
+            </a:xfrm>
+            <a:prstGeom prst="rect">
+              <a:avLst/>
+            </a:prstGeom>
+            <a:noFill/>
+          </p:spPr>
+          <p:txBody>
+            <a:bodyPr lIns="0" rIns="0" tIns="0" bIns="0" anchorCtr="1" anchor="ctr" wrap="none"/>
+            <a:lstStyle/>
+            <a:p>
+              <a:pPr algn="l" marL="0" marR="0" indent="0">
+                <a:lnSpc>
+                  <a:spcPts val="268"/>
+                </a:lnSpc>
+                <a:spcBef>
+                  <a:spcPts val="0"/>
+                </a:spcBef>
+                <a:spcAft>
+                  <a:spcPts val="0"/>
+                </a:spcAft>
+              </a:pPr>
+              <a:r>
+                <a:t>SOUTH</a:t>
+              </a:r>
+            </a:p>
+          </p:txBody>
+        </p:sp>
+        <p:sp>
+          <p:nvSpPr>
+            <p:cNvPr id="165" name="tx165"/>
+            <p:cNvSpPr/>
+            <p:nvPr/>
+          </p:nvSpPr>
+          <p:spPr>
+            <a:xfrm>
+              <a:off x="8455621" y="5783021"/>
+              <a:ext cx="128979" cy="25275"/>
+            </a:xfrm>
+            <a:prstGeom prst="rect">
+              <a:avLst/>
+            </a:prstGeom>
+            <a:noFill/>
+          </p:spPr>
+          <p:txBody>
+            <a:bodyPr lIns="0" rIns="0" tIns="0" bIns="0" anchorCtr="1" anchor="ctr" wrap="none"/>
+            <a:lstStyle/>
+            <a:p>
+              <a:pPr algn="l" marL="0" marR="0" indent="0">
+                <a:lnSpc>
+                  <a:spcPts val="268"/>
+                </a:lnSpc>
+                <a:spcBef>
+                  <a:spcPts val="0"/>
+                </a:spcBef>
+                <a:spcAft>
+                  <a:spcPts val="0"/>
+                </a:spcAft>
+              </a:pPr>
+              <a:r>
+                <a:t>AFRICA</a:t>
+              </a:r>
+            </a:p>
+          </p:txBody>
+        </p:sp>
+        <p:sp>
+          <p:nvSpPr>
+            <p:cNvPr id="166" name="tx166"/>
+            <p:cNvSpPr/>
+            <p:nvPr/>
+          </p:nvSpPr>
+          <p:spPr>
+            <a:xfrm>
+              <a:off x="4716605" y="4243156"/>
+              <a:ext cx="1032265" cy="103478"/>
             </a:xfrm>
             <a:prstGeom prst="rect">
               <a:avLst/>
@@ -9050,361 +9345,20 @@
                   <a:latin typeface="Arial"/>
                   <a:cs typeface="Arial"/>
                 </a:rPr>
-                <a:t>SAUDI</a:t>
+                <a:t>SOUTH KOREA</a:t>
               </a:r>
             </a:p>
           </p:txBody>
         </p:sp>
         <p:sp>
           <p:nvSpPr>
-            <p:cNvPr id="160" name="tx160"/>
-            <p:cNvSpPr/>
-            <p:nvPr/>
-          </p:nvSpPr>
-          <p:spPr>
-            <a:xfrm>
-              <a:off x="5793038" y="5804142"/>
-              <a:ext cx="543247" cy="100000"/>
-            </a:xfrm>
-            <a:prstGeom prst="rect">
-              <a:avLst/>
-            </a:prstGeom>
-            <a:noFill/>
-          </p:spPr>
-          <p:txBody>
-            <a:bodyPr lIns="0" rIns="0" tIns="0" bIns="0" anchorCtr="1" anchor="ctr" wrap="none"/>
-            <a:lstStyle/>
-            <a:p>
-              <a:pPr algn="l" marL="0" marR="0" indent="0">
-                <a:lnSpc>
-                  <a:spcPts val="1100"/>
-                </a:lnSpc>
-                <a:spcBef>
-                  <a:spcPts val="0"/>
-                </a:spcBef>
-                <a:spcAft>
-                  <a:spcPts val="0"/>
-                </a:spcAft>
-              </a:pPr>
-              <a:r>
-                <a:rPr sz="1100" b="1">
-                  <a:solidFill>
-                    <a:srgbClr val="000000">
-                      <a:alpha val="100000"/>
-                    </a:srgbClr>
-                  </a:solidFill>
-                  <a:latin typeface="Arial"/>
-                  <a:cs typeface="Arial"/>
-                </a:rPr>
-                <a:t>ARABIA</a:t>
-              </a:r>
-            </a:p>
-          </p:txBody>
-        </p:sp>
-        <p:sp>
-          <p:nvSpPr>
-            <p:cNvPr id="161" name="tx161"/>
-            <p:cNvSpPr/>
-            <p:nvPr/>
-          </p:nvSpPr>
-          <p:spPr>
-            <a:xfrm>
-              <a:off x="8038239" y="4327241"/>
-              <a:ext cx="316387" cy="42186"/>
-            </a:xfrm>
-            <a:prstGeom prst="rect">
-              <a:avLst/>
-            </a:prstGeom>
-            <a:noFill/>
-          </p:spPr>
-          <p:txBody>
-            <a:bodyPr lIns="0" rIns="0" tIns="0" bIns="0" anchorCtr="1" anchor="ctr" wrap="none"/>
-            <a:lstStyle/>
-            <a:p>
-              <a:pPr algn="l" marL="0" marR="0" indent="0">
-                <a:lnSpc>
-                  <a:spcPts val="448"/>
-                </a:lnSpc>
-                <a:spcBef>
-                  <a:spcPts val="0"/>
-                </a:spcBef>
-                <a:spcAft>
-                  <a:spcPts val="0"/>
-                </a:spcAft>
-              </a:pPr>
-              <a:r>
-                <a:rPr sz="448" b="1">
-                  <a:solidFill>
-                    <a:srgbClr val="000000">
-                      <a:alpha val="100000"/>
-                    </a:srgbClr>
-                  </a:solidFill>
-                  <a:latin typeface="Arial"/>
-                  <a:cs typeface="Arial"/>
-                </a:rPr>
-                <a:t>SCOTLAND</a:t>
-              </a:r>
-            </a:p>
-          </p:txBody>
-        </p:sp>
-        <p:sp>
-          <p:nvSpPr>
-            <p:cNvPr id="162" name="tx162"/>
-            <p:cNvSpPr/>
-            <p:nvPr/>
-          </p:nvSpPr>
-          <p:spPr>
-            <a:xfrm>
-              <a:off x="5040911" y="5554508"/>
-              <a:ext cx="665378" cy="82130"/>
-            </a:xfrm>
-            <a:prstGeom prst="rect">
-              <a:avLst/>
-            </a:prstGeom>
-            <a:noFill/>
-          </p:spPr>
-          <p:txBody>
-            <a:bodyPr lIns="0" rIns="0" tIns="0" bIns="0" anchorCtr="1" anchor="ctr" wrap="none"/>
-            <a:lstStyle/>
-            <a:p>
-              <a:pPr algn="l" marL="0" marR="0" indent="0">
-                <a:lnSpc>
-                  <a:spcPts val="873"/>
-                </a:lnSpc>
-                <a:spcBef>
-                  <a:spcPts val="0"/>
-                </a:spcBef>
-                <a:spcAft>
-                  <a:spcPts val="0"/>
-                </a:spcAft>
-              </a:pPr>
-              <a:r>
-                <a:rPr sz="873" b="1">
-                  <a:solidFill>
-                    <a:srgbClr val="000000">
-                      <a:alpha val="100000"/>
-                    </a:srgbClr>
-                  </a:solidFill>
-                  <a:latin typeface="Arial"/>
-                  <a:cs typeface="Arial"/>
-                </a:rPr>
-                <a:t>SINGAPORE</a:t>
-              </a:r>
-            </a:p>
-          </p:txBody>
-        </p:sp>
-        <p:sp>
-          <p:nvSpPr>
-            <p:cNvPr id="163" name="tx163"/>
-            <p:cNvSpPr/>
-            <p:nvPr/>
-          </p:nvSpPr>
-          <p:spPr>
-            <a:xfrm>
-              <a:off x="7966768" y="5797669"/>
-              <a:ext cx="142268" cy="20395"/>
-            </a:xfrm>
-            <a:prstGeom prst="rect">
-              <a:avLst/>
-            </a:prstGeom>
-            <a:noFill/>
-          </p:spPr>
-          <p:txBody>
-            <a:bodyPr lIns="0" rIns="0" tIns="0" bIns="0" anchorCtr="1" anchor="ctr" wrap="none"/>
-            <a:lstStyle/>
-            <a:p>
-              <a:pPr algn="l" marL="0" marR="0" indent="0">
-                <a:lnSpc>
-                  <a:spcPts val="216"/>
-                </a:lnSpc>
-                <a:spcBef>
-                  <a:spcPts val="0"/>
-                </a:spcBef>
-                <a:spcAft>
-                  <a:spcPts val="0"/>
-                </a:spcAft>
-              </a:pPr>
-              <a:r>
-                <a:t>SLOVAKIA</a:t>
-              </a:r>
-            </a:p>
-          </p:txBody>
-        </p:sp>
-        <p:sp>
-          <p:nvSpPr>
-            <p:cNvPr id="164" name="tx164"/>
-            <p:cNvSpPr/>
-            <p:nvPr/>
-          </p:nvSpPr>
-          <p:spPr>
-            <a:xfrm>
-              <a:off x="7985398" y="5887932"/>
-              <a:ext cx="105007" cy="22223"/>
-            </a:xfrm>
-            <a:prstGeom prst="rect">
-              <a:avLst/>
-            </a:prstGeom>
-            <a:noFill/>
-          </p:spPr>
-          <p:txBody>
-            <a:bodyPr lIns="0" rIns="0" tIns="0" bIns="0" anchorCtr="1" anchor="ctr" wrap="none"/>
-            <a:lstStyle/>
-            <a:p>
-              <a:pPr algn="l" marL="0" marR="0" indent="0">
-                <a:lnSpc>
-                  <a:spcPts val="236"/>
-                </a:lnSpc>
-                <a:spcBef>
-                  <a:spcPts val="0"/>
-                </a:spcBef>
-                <a:spcAft>
-                  <a:spcPts val="0"/>
-                </a:spcAft>
-              </a:pPr>
-              <a:r>
-                <a:t>SOUTH</a:t>
-              </a:r>
-            </a:p>
-          </p:txBody>
-        </p:sp>
-        <p:sp>
-          <p:nvSpPr>
-            <p:cNvPr id="165" name="tx165"/>
-            <p:cNvSpPr/>
-            <p:nvPr/>
-          </p:nvSpPr>
-          <p:spPr>
-            <a:xfrm>
-              <a:off x="7981237" y="5931150"/>
-              <a:ext cx="113328" cy="22208"/>
-            </a:xfrm>
-            <a:prstGeom prst="rect">
-              <a:avLst/>
-            </a:prstGeom>
-            <a:noFill/>
-          </p:spPr>
-          <p:txBody>
-            <a:bodyPr lIns="0" rIns="0" tIns="0" bIns="0" anchorCtr="1" anchor="ctr" wrap="none"/>
-            <a:lstStyle/>
-            <a:p>
-              <a:pPr algn="l" marL="0" marR="0" indent="0">
-                <a:lnSpc>
-                  <a:spcPts val="236"/>
-                </a:lnSpc>
-                <a:spcBef>
-                  <a:spcPts val="0"/>
-                </a:spcBef>
-                <a:spcAft>
-                  <a:spcPts val="0"/>
-                </a:spcAft>
-              </a:pPr>
-              <a:r>
-                <a:t>AFRICA</a:t>
-              </a:r>
-            </a:p>
-          </p:txBody>
-        </p:sp>
-        <p:sp>
-          <p:nvSpPr>
-            <p:cNvPr id="166" name="tx166"/>
-            <p:cNvSpPr/>
-            <p:nvPr/>
-          </p:nvSpPr>
-          <p:spPr>
-            <a:xfrm>
-              <a:off x="6246807" y="2215436"/>
-              <a:ext cx="488950" cy="103478"/>
-            </a:xfrm>
-            <a:prstGeom prst="rect">
-              <a:avLst/>
-            </a:prstGeom>
-            <a:noFill/>
-          </p:spPr>
-          <p:txBody>
-            <a:bodyPr lIns="0" rIns="0" tIns="0" bIns="0" anchorCtr="1" anchor="ctr" wrap="none"/>
-            <a:lstStyle/>
-            <a:p>
-              <a:pPr algn="l" marL="0" marR="0" indent="0">
-                <a:lnSpc>
-                  <a:spcPts val="1100"/>
-                </a:lnSpc>
-                <a:spcBef>
-                  <a:spcPts val="0"/>
-                </a:spcBef>
-                <a:spcAft>
-                  <a:spcPts val="0"/>
-                </a:spcAft>
-              </a:pPr>
-              <a:r>
-                <a:rPr sz="1100" b="1">
-                  <a:solidFill>
-                    <a:srgbClr val="000000">
-                      <a:alpha val="100000"/>
-                    </a:srgbClr>
-                  </a:solidFill>
-                  <a:latin typeface="Arial"/>
-                  <a:cs typeface="Arial"/>
-                </a:rPr>
-                <a:t>SOUTH</a:t>
-              </a:r>
-            </a:p>
-          </p:txBody>
-        </p:sp>
-        <p:sp>
-          <p:nvSpPr>
             <p:cNvPr id="167" name="tx167"/>
             <p:cNvSpPr/>
             <p:nvPr/>
           </p:nvSpPr>
           <p:spPr>
             <a:xfrm>
-              <a:off x="6239031" y="2416673"/>
-              <a:ext cx="504502" cy="103410"/>
-            </a:xfrm>
-            <a:prstGeom prst="rect">
-              <a:avLst/>
-            </a:prstGeom>
-            <a:noFill/>
-          </p:spPr>
-          <p:txBody>
-            <a:bodyPr lIns="0" rIns="0" tIns="0" bIns="0" anchorCtr="1" anchor="ctr" wrap="none"/>
-            <a:lstStyle/>
-            <a:p>
-              <a:pPr algn="l" marL="0" marR="0" indent="0">
-                <a:lnSpc>
-                  <a:spcPts val="1100"/>
-                </a:lnSpc>
-                <a:spcBef>
-                  <a:spcPts val="0"/>
-                </a:spcBef>
-                <a:spcAft>
-                  <a:spcPts val="0"/>
-                </a:spcAft>
-              </a:pPr>
-              <a:r>
-                <a:rPr sz="1100" b="1">
-                  <a:solidFill>
-                    <a:srgbClr val="000000">
-                      <a:alpha val="100000"/>
-                    </a:srgbClr>
-                  </a:solidFill>
-                  <a:latin typeface="Arial"/>
-                  <a:cs typeface="Arial"/>
-                </a:rPr>
-                <a:t>KOREA</a:t>
-              </a:r>
-            </a:p>
-          </p:txBody>
-        </p:sp>
-        <p:sp>
-          <p:nvSpPr>
-            <p:cNvPr id="168" name="tx168"/>
-            <p:cNvSpPr/>
-            <p:nvPr/>
-          </p:nvSpPr>
-          <p:spPr>
-            <a:xfrm>
-              <a:off x="7927984" y="3173755"/>
+              <a:off x="8352747" y="3161050"/>
               <a:ext cx="426944" cy="103478"/>
             </a:xfrm>
             <a:prstGeom prst="rect">
@@ -9444,14 +9398,14 @@
         </p:sp>
         <p:sp>
           <p:nvSpPr>
-            <p:cNvPr id="169" name="tx169"/>
-            <p:cNvSpPr/>
-            <p:nvPr/>
-          </p:nvSpPr>
-          <p:spPr>
-            <a:xfrm>
-              <a:off x="8103397" y="5662080"/>
-              <a:ext cx="134273" cy="22378"/>
+            <p:cNvPr id="168" name="tx168"/>
+            <p:cNvSpPr/>
+            <p:nvPr/>
+          </p:nvSpPr>
+          <p:spPr>
+            <a:xfrm>
+              <a:off x="8466255" y="5864984"/>
+              <a:ext cx="107711" cy="17951"/>
             </a:xfrm>
             <a:prstGeom prst="rect">
               <a:avLst/>
@@ -9464,7 +9418,7 @@
             <a:p>
               <a:pPr algn="l" marL="0" marR="0" indent="0">
                 <a:lnSpc>
-                  <a:spcPts val="237"/>
+                  <a:spcPts val="190"/>
                 </a:lnSpc>
                 <a:spcBef>
                   <a:spcPts val="0"/>
@@ -9481,14 +9435,14 @@
         </p:sp>
         <p:sp>
           <p:nvSpPr>
-            <p:cNvPr id="170" name="tx170"/>
-            <p:cNvSpPr/>
-            <p:nvPr/>
-          </p:nvSpPr>
-          <p:spPr>
-            <a:xfrm>
-              <a:off x="8135276" y="5706338"/>
-              <a:ext cx="70514" cy="21626"/>
+            <p:cNvPr id="169" name="tx169"/>
+            <p:cNvSpPr/>
+            <p:nvPr/>
+          </p:nvSpPr>
+          <p:spPr>
+            <a:xfrm>
+              <a:off x="8491828" y="5900487"/>
+              <a:ext cx="56565" cy="17348"/>
             </a:xfrm>
             <a:prstGeom prst="rect">
               <a:avLst/>
@@ -9501,7 +9455,7 @@
             <a:p>
               <a:pPr algn="l" marL="0" marR="0" indent="0">
                 <a:lnSpc>
-                  <a:spcPts val="237"/>
+                  <a:spcPts val="190"/>
                 </a:lnSpc>
                 <a:spcBef>
                   <a:spcPts val="0"/>
@@ -9518,14 +9472,14 @@
         </p:sp>
         <p:sp>
           <p:nvSpPr>
-            <p:cNvPr id="171" name="tx171"/>
-            <p:cNvSpPr/>
-            <p:nvPr/>
-          </p:nvSpPr>
-          <p:spPr>
-            <a:xfrm>
-              <a:off x="7182847" y="5613528"/>
-              <a:ext cx="245882" cy="51222"/>
+            <p:cNvPr id="170" name="tx170"/>
+            <p:cNvSpPr/>
+            <p:nvPr/>
+          </p:nvSpPr>
+          <p:spPr>
+            <a:xfrm>
+              <a:off x="8600430" y="4684709"/>
+              <a:ext cx="207416" cy="43209"/>
             </a:xfrm>
             <a:prstGeom prst="rect">
               <a:avLst/>
@@ -9538,7 +9492,7 @@
             <a:p>
               <a:pPr algn="l" marL="0" marR="0" indent="0">
                 <a:lnSpc>
-                  <a:spcPts val="544"/>
+                  <a:spcPts val="459"/>
                 </a:lnSpc>
                 <a:spcBef>
                   <a:spcPts val="0"/>
@@ -9548,7 +9502,7 @@
                 </a:spcAft>
               </a:pPr>
               <a:r>
-                <a:rPr sz="544" b="1">
+                <a:rPr sz="459" b="1">
                   <a:solidFill>
                     <a:srgbClr val="000000">
                       <a:alpha val="100000"/>
@@ -9564,14 +9518,14 @@
         </p:sp>
         <p:sp>
           <p:nvSpPr>
-            <p:cNvPr id="172" name="tx172"/>
-            <p:cNvSpPr/>
-            <p:nvPr/>
-          </p:nvSpPr>
-          <p:spPr>
-            <a:xfrm>
-              <a:off x="8248738" y="5688452"/>
-              <a:ext cx="108853" cy="13440"/>
+            <p:cNvPr id="171" name="tx171"/>
+            <p:cNvSpPr/>
+            <p:nvPr/>
+          </p:nvSpPr>
+          <p:spPr>
+            <a:xfrm>
+              <a:off x="8606798" y="5657803"/>
+              <a:ext cx="86031" cy="10622"/>
             </a:xfrm>
             <a:prstGeom prst="rect">
               <a:avLst/>
@@ -9584,7 +9538,7 @@
             <a:p>
               <a:pPr algn="l" marL="0" marR="0" indent="0">
                 <a:lnSpc>
-                  <a:spcPts val="142"/>
+                  <a:spcPts val="112"/>
                 </a:lnSpc>
                 <a:spcBef>
                   <a:spcPts val="0"/>
@@ -9601,14 +9555,14 @@
         </p:sp>
         <p:sp>
           <p:nvSpPr>
-            <p:cNvPr id="173" name="tx173"/>
-            <p:cNvSpPr/>
-            <p:nvPr/>
-          </p:nvSpPr>
-          <p:spPr>
-            <a:xfrm>
-              <a:off x="6908184" y="3831026"/>
-              <a:ext cx="526082" cy="88782"/>
+            <p:cNvPr id="172" name="tx172"/>
+            <p:cNvSpPr/>
+            <p:nvPr/>
+          </p:nvSpPr>
+          <p:spPr>
+            <a:xfrm>
+              <a:off x="6418823" y="5059312"/>
+              <a:ext cx="522202" cy="88127"/>
             </a:xfrm>
             <a:prstGeom prst="rect">
               <a:avLst/>
@@ -9621,7 +9575,7 @@
             <a:p>
               <a:pPr algn="l" marL="0" marR="0" indent="0">
                 <a:lnSpc>
-                  <a:spcPts val="943"/>
+                  <a:spcPts val="936"/>
                 </a:lnSpc>
                 <a:spcBef>
                   <a:spcPts val="0"/>
@@ -9631,7 +9585,7 @@
                 </a:spcAft>
               </a:pPr>
               <a:r>
-                <a:rPr sz="943" b="1">
+                <a:rPr sz="936" b="1">
                   <a:solidFill>
                     <a:srgbClr val="000000">
                       <a:alpha val="100000"/>
@@ -9647,14 +9601,14 @@
         </p:sp>
         <p:sp>
           <p:nvSpPr>
-            <p:cNvPr id="174" name="tx174"/>
-            <p:cNvSpPr/>
-            <p:nvPr/>
-          </p:nvSpPr>
-          <p:spPr>
-            <a:xfrm>
-              <a:off x="7639761" y="4328708"/>
-              <a:ext cx="386541" cy="39346"/>
+            <p:cNvPr id="173" name="tx173"/>
+            <p:cNvSpPr/>
+            <p:nvPr/>
+          </p:nvSpPr>
+          <p:spPr>
+            <a:xfrm>
+              <a:off x="6971618" y="5716836"/>
+              <a:ext cx="373238" cy="37992"/>
             </a:xfrm>
             <a:prstGeom prst="rect">
               <a:avLst/>
@@ -9667,7 +9621,7 @@
             <a:p>
               <a:pPr algn="l" marL="0" marR="0" indent="0">
                 <a:lnSpc>
-                  <a:spcPts val="418"/>
+                  <a:spcPts val="403"/>
                 </a:lnSpc>
                 <a:spcBef>
                   <a:spcPts val="0"/>
@@ -9684,14 +9638,14 @@
         </p:sp>
         <p:sp>
           <p:nvSpPr>
-            <p:cNvPr id="175" name="tx175"/>
-            <p:cNvSpPr/>
-            <p:nvPr/>
-          </p:nvSpPr>
-          <p:spPr>
-            <a:xfrm>
-              <a:off x="8102999" y="5791290"/>
-              <a:ext cx="135069" cy="32736"/>
+            <p:cNvPr id="174" name="tx174"/>
+            <p:cNvSpPr/>
+            <p:nvPr/>
+          </p:nvSpPr>
+          <p:spPr>
+            <a:xfrm>
+              <a:off x="8707686" y="5648251"/>
+              <a:ext cx="120078" cy="29103"/>
             </a:xfrm>
             <a:prstGeom prst="rect">
               <a:avLst/>
@@ -9704,7 +9658,7 @@
             <a:p>
               <a:pPr algn="l" marL="0" marR="0" indent="0">
                 <a:lnSpc>
-                  <a:spcPts val="347"/>
+                  <a:spcPts val="309"/>
                 </a:lnSpc>
                 <a:spcBef>
                   <a:spcPts val="0"/>
@@ -9721,14 +9675,14 @@
         </p:sp>
         <p:sp>
           <p:nvSpPr>
-            <p:cNvPr id="176" name="tx176"/>
-            <p:cNvSpPr/>
-            <p:nvPr/>
-          </p:nvSpPr>
-          <p:spPr>
-            <a:xfrm>
-              <a:off x="6840867" y="5486233"/>
-              <a:ext cx="291987" cy="40899"/>
+            <p:cNvPr id="175" name="tx175"/>
+            <p:cNvSpPr/>
+            <p:nvPr/>
+          </p:nvSpPr>
+          <p:spPr>
+            <a:xfrm>
+              <a:off x="8516380" y="4301661"/>
+              <a:ext cx="298108" cy="41756"/>
             </a:xfrm>
             <a:prstGeom prst="rect">
               <a:avLst/>
@@ -9741,7 +9695,7 @@
             <a:p>
               <a:pPr algn="l" marL="0" marR="0" indent="0">
                 <a:lnSpc>
-                  <a:spcPts val="449"/>
+                  <a:spcPts val="459"/>
                 </a:lnSpc>
                 <a:spcBef>
                   <a:spcPts val="0"/>
@@ -9751,7 +9705,7 @@
                 </a:spcAft>
               </a:pPr>
               <a:r>
-                <a:rPr sz="449" b="1">
+                <a:rPr sz="459" b="1">
                   <a:solidFill>
                     <a:srgbClr val="000000">
                       <a:alpha val="100000"/>
@@ -9767,14 +9721,14 @@
         </p:sp>
         <p:sp>
           <p:nvSpPr>
-            <p:cNvPr id="177" name="tx177"/>
-            <p:cNvSpPr/>
-            <p:nvPr/>
-          </p:nvSpPr>
-          <p:spPr>
-            <a:xfrm>
-              <a:off x="8117867" y="5910939"/>
-              <a:ext cx="105333" cy="19505"/>
+            <p:cNvPr id="176" name="tx176"/>
+            <p:cNvSpPr/>
+            <p:nvPr/>
+          </p:nvSpPr>
+          <p:spPr>
+            <a:xfrm>
+              <a:off x="8589762" y="5774268"/>
+              <a:ext cx="159407" cy="29519"/>
             </a:xfrm>
             <a:prstGeom prst="rect">
               <a:avLst/>
@@ -9787,7 +9741,7 @@
             <a:p>
               <a:pPr algn="l" marL="0" marR="0" indent="0">
                 <a:lnSpc>
-                  <a:spcPts val="207"/>
+                  <a:spcPts val="313"/>
                 </a:lnSpc>
                 <a:spcBef>
                   <a:spcPts val="0"/>
@@ -9804,14 +9758,14 @@
         </p:sp>
         <p:sp>
           <p:nvSpPr>
-            <p:cNvPr id="178" name="tx178"/>
-            <p:cNvSpPr/>
-            <p:nvPr/>
-          </p:nvSpPr>
-          <p:spPr>
-            <a:xfrm>
-              <a:off x="7159457" y="4696570"/>
-              <a:ext cx="329614" cy="58367"/>
+            <p:cNvPr id="177" name="tx177"/>
+            <p:cNvSpPr/>
+            <p:nvPr/>
+          </p:nvSpPr>
+          <p:spPr>
+            <a:xfrm>
+              <a:off x="7373250" y="5055535"/>
+              <a:ext cx="328243" cy="58124"/>
             </a:xfrm>
             <a:prstGeom prst="rect">
               <a:avLst/>
@@ -9824,7 +9778,7 @@
             <a:p>
               <a:pPr algn="l" marL="0" marR="0" indent="0">
                 <a:lnSpc>
-                  <a:spcPts val="631"/>
+                  <a:spcPts val="628"/>
                 </a:lnSpc>
                 <a:spcBef>
                   <a:spcPts val="0"/>
@@ -9834,7 +9788,7 @@
                 </a:spcAft>
               </a:pPr>
               <a:r>
-                <a:rPr sz="631" b="1">
+                <a:rPr sz="628" b="1">
                   <a:solidFill>
                     <a:srgbClr val="000000">
                       <a:alpha val="100000"/>
@@ -9850,14 +9804,14 @@
         </p:sp>
         <p:sp>
           <p:nvSpPr>
-            <p:cNvPr id="179" name="tx179"/>
-            <p:cNvSpPr/>
-            <p:nvPr/>
-          </p:nvSpPr>
-          <p:spPr>
-            <a:xfrm>
-              <a:off x="6876099" y="5080828"/>
-              <a:ext cx="221523" cy="41473"/>
+            <p:cNvPr id="178" name="tx178"/>
+            <p:cNvSpPr/>
+            <p:nvPr/>
+          </p:nvSpPr>
+          <p:spPr>
+            <a:xfrm>
+              <a:off x="8203516" y="4255670"/>
+              <a:ext cx="238536" cy="44658"/>
             </a:xfrm>
             <a:prstGeom prst="rect">
               <a:avLst/>
@@ -9870,7 +9824,7 @@
             <a:p>
               <a:pPr algn="l" marL="0" marR="0" indent="0">
                 <a:lnSpc>
-                  <a:spcPts val="448"/>
+                  <a:spcPts val="483"/>
                 </a:lnSpc>
                 <a:spcBef>
                   <a:spcPts val="0"/>
@@ -9880,7 +9834,7 @@
                 </a:spcAft>
               </a:pPr>
               <a:r>
-                <a:rPr sz="448" b="1">
+                <a:rPr sz="483" b="1">
                   <a:solidFill>
                     <a:srgbClr val="000000">
                       <a:alpha val="100000"/>
@@ -9896,14 +9850,14 @@
         </p:sp>
         <p:sp>
           <p:nvSpPr>
-            <p:cNvPr id="180" name="tx180"/>
-            <p:cNvSpPr/>
-            <p:nvPr/>
-          </p:nvSpPr>
-          <p:spPr>
-            <a:xfrm>
-              <a:off x="6839688" y="5162137"/>
-              <a:ext cx="294344" cy="42196"/>
+            <p:cNvPr id="179" name="tx179"/>
+            <p:cNvSpPr/>
+            <p:nvPr/>
+          </p:nvSpPr>
+          <p:spPr>
+            <a:xfrm>
+              <a:off x="8164309" y="4343223"/>
+              <a:ext cx="316950" cy="45436"/>
             </a:xfrm>
             <a:prstGeom prst="rect">
               <a:avLst/>
@@ -9916,7 +9870,7 @@
             <a:p>
               <a:pPr algn="l" marL="0" marR="0" indent="0">
                 <a:lnSpc>
-                  <a:spcPts val="448"/>
+                  <a:spcPts val="483"/>
                 </a:lnSpc>
                 <a:spcBef>
                   <a:spcPts val="0"/>
@@ -9926,7 +9880,7 @@
                 </a:spcAft>
               </a:pPr>
               <a:r>
-                <a:rPr sz="448" b="1">
+                <a:rPr sz="483" b="1">
                   <a:solidFill>
                     <a:srgbClr val="000000">
                       <a:alpha val="100000"/>
@@ -9942,14 +9896,14 @@
         </p:sp>
         <p:sp>
           <p:nvSpPr>
-            <p:cNvPr id="181" name="tx181"/>
-            <p:cNvSpPr/>
-            <p:nvPr/>
-          </p:nvSpPr>
-          <p:spPr>
-            <a:xfrm>
-              <a:off x="8234492" y="5796244"/>
-              <a:ext cx="137347" cy="23166"/>
+            <p:cNvPr id="180" name="tx180"/>
+            <p:cNvSpPr/>
+            <p:nvPr/>
+          </p:nvSpPr>
+          <p:spPr>
+            <a:xfrm>
+              <a:off x="8599938" y="5885608"/>
+              <a:ext cx="139055" cy="23454"/>
             </a:xfrm>
             <a:prstGeom prst="rect">
               <a:avLst/>
@@ -9962,7 +9916,7 @@
             <a:p>
               <a:pPr algn="l" marL="0" marR="0" indent="0">
                 <a:lnSpc>
-                  <a:spcPts val="246"/>
+                  <a:spcPts val="249"/>
                 </a:lnSpc>
                 <a:spcBef>
                   <a:spcPts val="0"/>
@@ -9979,14 +9933,14 @@
         </p:sp>
         <p:sp>
           <p:nvSpPr>
-            <p:cNvPr id="182" name="tx182"/>
-            <p:cNvSpPr/>
-            <p:nvPr/>
-          </p:nvSpPr>
-          <p:spPr>
-            <a:xfrm>
-              <a:off x="8233607" y="5910499"/>
-              <a:ext cx="139116" cy="20368"/>
+            <p:cNvPr id="181" name="tx181"/>
+            <p:cNvSpPr/>
+            <p:nvPr/>
+          </p:nvSpPr>
+          <p:spPr>
+            <a:xfrm>
+              <a:off x="8746152" y="5837388"/>
+              <a:ext cx="82450" cy="12072"/>
             </a:xfrm>
             <a:prstGeom prst="rect">
               <a:avLst/>
@@ -9999,7 +9953,7 @@
             <a:p>
               <a:pPr algn="l" marL="0" marR="0" indent="0">
                 <a:lnSpc>
-                  <a:spcPts val="216"/>
+                  <a:spcPts val="128"/>
                 </a:lnSpc>
                 <a:spcBef>
                   <a:spcPts val="0"/>
@@ -10016,13 +9970,13 @@
         </p:sp>
         <p:sp>
           <p:nvSpPr>
-            <p:cNvPr id="183" name="tx183"/>
-            <p:cNvSpPr/>
-            <p:nvPr/>
-          </p:nvSpPr>
-          <p:spPr>
-            <a:xfrm>
-              <a:off x="3516868" y="3112221"/>
+            <p:cNvPr id="182" name="tx182"/>
+            <p:cNvSpPr/>
+            <p:nvPr/>
+          </p:nvSpPr>
+          <p:spPr>
+            <a:xfrm>
+              <a:off x="3105314" y="3262994"/>
               <a:ext cx="294952" cy="103478"/>
             </a:xfrm>
             <a:prstGeom prst="rect">
@@ -10062,14 +10016,14 @@
         </p:sp>
         <p:sp>
           <p:nvSpPr>
-            <p:cNvPr id="184" name="tx184"/>
-            <p:cNvSpPr/>
-            <p:nvPr/>
-          </p:nvSpPr>
-          <p:spPr>
-            <a:xfrm>
-              <a:off x="7655474" y="5876462"/>
-              <a:ext cx="190117" cy="31665"/>
+            <p:cNvPr id="183" name="tx183"/>
+            <p:cNvSpPr/>
+            <p:nvPr/>
+          </p:nvSpPr>
+          <p:spPr>
+            <a:xfrm>
+              <a:off x="8667008" y="5205484"/>
+              <a:ext cx="156864" cy="26126"/>
             </a:xfrm>
             <a:prstGeom prst="rect">
               <a:avLst/>
@@ -10082,7 +10036,7 @@
             <a:p>
               <a:pPr algn="l" marL="0" marR="0" indent="0">
                 <a:lnSpc>
-                  <a:spcPts val="336"/>
+                  <a:spcPts val="277"/>
                 </a:lnSpc>
                 <a:spcBef>
                   <a:spcPts val="0"/>
@@ -10099,14 +10053,14 @@
         </p:sp>
         <p:sp>
           <p:nvSpPr>
-            <p:cNvPr id="185" name="tx185"/>
-            <p:cNvSpPr/>
-            <p:nvPr/>
-          </p:nvSpPr>
-          <p:spPr>
-            <a:xfrm>
-              <a:off x="7159892" y="5331280"/>
-              <a:ext cx="291792" cy="46415"/>
+            <p:cNvPr id="184" name="tx184"/>
+            <p:cNvSpPr/>
+            <p:nvPr/>
+          </p:nvSpPr>
+          <p:spPr>
+            <a:xfrm>
+              <a:off x="8285672" y="4683359"/>
+              <a:ext cx="297742" cy="47362"/>
             </a:xfrm>
             <a:prstGeom prst="rect">
               <a:avLst/>
@@ -10119,7 +10073,7 @@
             <a:p>
               <a:pPr algn="l" marL="0" marR="0" indent="0">
                 <a:lnSpc>
-                  <a:spcPts val="510"/>
+                  <a:spcPts val="520"/>
                 </a:lnSpc>
                 <a:spcBef>
                   <a:spcPts val="0"/>
@@ -10129,7 +10083,7 @@
                 </a:spcAft>
               </a:pPr>
               <a:r>
-                <a:rPr sz="510" b="1">
+                <a:rPr sz="520" b="1">
                   <a:solidFill>
                     <a:srgbClr val="000000">
                       <a:alpha val="100000"/>
@@ -10145,14 +10099,14 @@
         </p:sp>
         <p:sp>
           <p:nvSpPr>
-            <p:cNvPr id="186" name="tx186"/>
-            <p:cNvSpPr/>
-            <p:nvPr/>
-          </p:nvSpPr>
-          <p:spPr>
-            <a:xfrm>
-              <a:off x="7479323" y="4690172"/>
-              <a:ext cx="340239" cy="69796"/>
+            <p:cNvPr id="185" name="tx185"/>
+            <p:cNvSpPr/>
+            <p:nvPr/>
+          </p:nvSpPr>
+          <p:spPr>
+            <a:xfrm>
+              <a:off x="7367960" y="5416870"/>
+              <a:ext cx="338825" cy="69506"/>
             </a:xfrm>
             <a:prstGeom prst="rect">
               <a:avLst/>
@@ -10165,7 +10119,7 @@
             <a:p>
               <a:pPr algn="l" marL="0" marR="0" indent="0">
                 <a:lnSpc>
-                  <a:spcPts val="741"/>
+                  <a:spcPts val="738"/>
                 </a:lnSpc>
                 <a:spcBef>
                   <a:spcPts val="0"/>
@@ -10175,7 +10129,7 @@
                 </a:spcAft>
               </a:pPr>
               <a:r>
-                <a:rPr sz="741" b="1">
+                <a:rPr sz="738" b="1">
                   <a:solidFill>
                     <a:srgbClr val="000000">
                       <a:alpha val="100000"/>
